--- a/doc/答辩/基于FPGA的片上网络自适应路由算法的设计与实现.pptx
+++ b/doc/答辩/基于FPGA的片上网络自适应路由算法的设计与实现.pptx
@@ -4,6 +4,9 @@
   <p:sldMasterIdLst>
     <p:sldMasterId id="2147483648" r:id="rId1"/>
   </p:sldMasterIdLst>
+  <p:notesMasterIdLst>
+    <p:notesMasterId r:id="rId16"/>
+  </p:notesMasterIdLst>
   <p:sldIdLst>
     <p:sldId id="256" r:id="rId3"/>
     <p:sldId id="257" r:id="rId4"/>
@@ -11,8 +14,15 @@
     <p:sldId id="259" r:id="rId6"/>
     <p:sldId id="260" r:id="rId7"/>
     <p:sldId id="261" r:id="rId8"/>
+    <p:sldId id="262" r:id="rId9"/>
+    <p:sldId id="265" r:id="rId10"/>
+    <p:sldId id="263" r:id="rId11"/>
+    <p:sldId id="264" r:id="rId12"/>
+    <p:sldId id="266" r:id="rId13"/>
+    <p:sldId id="267" r:id="rId14"/>
+    <p:sldId id="268" r:id="rId15"/>
   </p:sldIdLst>
-  <p:sldSz cx="12192000" cy="6858000"/>
+  <p:sldSz cx="9144000" cy="6858000" type="screen4x3"/>
   <p:notesSz cx="6858000" cy="9144000"/>
   <p:defaultTextStyle>
     <a:defPPr>
@@ -112,6 +122,353 @@
 </p:presentation>
 </file>
 
+<file path=ppt/notesMasters/notesMaster1.xml><?xml version="1.0" encoding="utf-8"?>
+<p:notesMaster xmlns:a="http://schemas.openxmlformats.org/drawingml/2006/main" xmlns:r="http://schemas.openxmlformats.org/officeDocument/2006/relationships" xmlns:p="http://schemas.openxmlformats.org/presentationml/2006/main">
+  <p:cSld>
+    <p:bg>
+      <p:bgRef idx="1001">
+        <a:schemeClr val="bg1"/>
+      </p:bgRef>
+    </p:bg>
+    <p:spTree>
+      <p:nvGrpSpPr>
+        <p:cNvPr id="1" name=""/>
+        <p:cNvGrpSpPr/>
+        <p:nvPr/>
+      </p:nvGrpSpPr>
+      <p:grpSpPr>
+        <a:xfrm>
+          <a:off x="0" y="0"/>
+          <a:ext cx="0" cy="0"/>
+          <a:chOff x="0" y="0"/>
+          <a:chExt cx="0" cy="0"/>
+        </a:xfrm>
+      </p:grpSpPr>
+      <p:sp>
+        <p:nvSpPr>
+          <p:cNvPr id="2" name="Header Placeholder 1"/>
+          <p:cNvSpPr>
+            <a:spLocks noGrp="1"/>
+          </p:cNvSpPr>
+          <p:nvPr>
+            <p:ph type="hdr" sz="quarter"/>
+          </p:nvPr>
+        </p:nvSpPr>
+        <p:spPr>
+          <a:xfrm>
+            <a:off x="0" y="0"/>
+            <a:ext cx="2971800" cy="458788"/>
+          </a:xfrm>
+          <a:prstGeom prst="rect">
+            <a:avLst/>
+          </a:prstGeom>
+        </p:spPr>
+        <p:txBody>
+          <a:bodyPr vert="horz" lIns="91440" tIns="45720" rIns="91440" bIns="45720" rtlCol="0"/>
+          <a:lstStyle>
+            <a:lvl1pPr algn="l">
+              <a:defRPr sz="1200"/>
+            </a:lvl1pPr>
+          </a:lstStyle>
+          <a:p>
+            <a:endParaRPr lang="en-US"/>
+          </a:p>
+        </p:txBody>
+      </p:sp>
+      <p:sp>
+        <p:nvSpPr>
+          <p:cNvPr id="3" name="Date Placeholder 2"/>
+          <p:cNvSpPr>
+            <a:spLocks noGrp="1"/>
+          </p:cNvSpPr>
+          <p:nvPr>
+            <p:ph type="dt" idx="1"/>
+          </p:nvPr>
+        </p:nvSpPr>
+        <p:spPr>
+          <a:xfrm>
+            <a:off x="3884613" y="0"/>
+            <a:ext cx="2971800" cy="458788"/>
+          </a:xfrm>
+          <a:prstGeom prst="rect">
+            <a:avLst/>
+          </a:prstGeom>
+        </p:spPr>
+        <p:txBody>
+          <a:bodyPr vert="horz" lIns="91440" tIns="45720" rIns="91440" bIns="45720" rtlCol="0"/>
+          <a:lstStyle>
+            <a:lvl1pPr algn="r">
+              <a:defRPr sz="1200"/>
+            </a:lvl1pPr>
+          </a:lstStyle>
+          <a:p>
+            <a:fld id="{3EFD42F7-718C-4B98-AAEC-167E6DDD60A7}" type="datetimeFigureOut">
+              <a:rPr lang="en-US" smtClean="0"/>
+            </a:fld>
+            <a:endParaRPr lang="en-US"/>
+          </a:p>
+        </p:txBody>
+      </p:sp>
+      <p:sp>
+        <p:nvSpPr>
+          <p:cNvPr id="4" name="Slide Image Placeholder 3"/>
+          <p:cNvSpPr>
+            <a:spLocks noGrp="1" noRot="1" noChangeAspect="1"/>
+          </p:cNvSpPr>
+          <p:nvPr>
+            <p:ph type="sldImg" idx="2"/>
+          </p:nvPr>
+        </p:nvSpPr>
+        <p:spPr>
+          <a:xfrm>
+            <a:off x="1371600" y="1143000"/>
+            <a:ext cx="4114800" cy="3086100"/>
+          </a:xfrm>
+          <a:prstGeom prst="rect">
+            <a:avLst/>
+          </a:prstGeom>
+          <a:noFill/>
+          <a:ln w="12700">
+            <a:solidFill>
+              <a:prstClr val="black"/>
+            </a:solidFill>
+          </a:ln>
+        </p:spPr>
+        <p:txBody>
+          <a:bodyPr vert="horz" lIns="91440" tIns="45720" rIns="91440" bIns="45720" rtlCol="0" anchor="ctr"/>
+          <a:lstStyle/>
+          <a:p>
+            <a:endParaRPr lang="en-US"/>
+          </a:p>
+        </p:txBody>
+      </p:sp>
+      <p:sp>
+        <p:nvSpPr>
+          <p:cNvPr id="5" name="Notes Placeholder 4"/>
+          <p:cNvSpPr>
+            <a:spLocks noGrp="1"/>
+          </p:cNvSpPr>
+          <p:nvPr>
+            <p:ph type="body" sz="quarter" idx="3"/>
+          </p:nvPr>
+        </p:nvSpPr>
+        <p:spPr>
+          <a:xfrm>
+            <a:off x="685800" y="4400550"/>
+            <a:ext cx="5486400" cy="3600450"/>
+          </a:xfrm>
+          <a:prstGeom prst="rect">
+            <a:avLst/>
+          </a:prstGeom>
+        </p:spPr>
+        <p:txBody>
+          <a:bodyPr vert="horz" lIns="91440" tIns="45720" rIns="91440" bIns="45720" rtlCol="0"/>
+          <a:lstStyle/>
+          <a:p>
+            <a:pPr lvl="0"/>
+            <a:r>
+              <a:rPr lang="en-US" smtClean="0"/>
+              <a:t>Click to edit Master text styles</a:t>
+            </a:r>
+            <a:endParaRPr lang="en-US" smtClean="0"/>
+          </a:p>
+          <a:p>
+            <a:pPr lvl="1"/>
+            <a:r>
+              <a:rPr lang="en-US" smtClean="0"/>
+              <a:t>Second level</a:t>
+            </a:r>
+            <a:endParaRPr lang="en-US" smtClean="0"/>
+          </a:p>
+          <a:p>
+            <a:pPr lvl="2"/>
+            <a:r>
+              <a:rPr lang="en-US" smtClean="0"/>
+              <a:t>Third level</a:t>
+            </a:r>
+            <a:endParaRPr lang="en-US" smtClean="0"/>
+          </a:p>
+          <a:p>
+            <a:pPr lvl="3"/>
+            <a:r>
+              <a:rPr lang="en-US" smtClean="0"/>
+              <a:t>Fourth level</a:t>
+            </a:r>
+            <a:endParaRPr lang="en-US" smtClean="0"/>
+          </a:p>
+          <a:p>
+            <a:pPr lvl="4"/>
+            <a:r>
+              <a:rPr lang="en-US" smtClean="0"/>
+              <a:t>Fifth level</a:t>
+            </a:r>
+            <a:endParaRPr lang="en-US"/>
+          </a:p>
+        </p:txBody>
+      </p:sp>
+      <p:sp>
+        <p:nvSpPr>
+          <p:cNvPr id="6" name="Footer Placeholder 5"/>
+          <p:cNvSpPr>
+            <a:spLocks noGrp="1"/>
+          </p:cNvSpPr>
+          <p:nvPr>
+            <p:ph type="ftr" sz="quarter" idx="4"/>
+          </p:nvPr>
+        </p:nvSpPr>
+        <p:spPr>
+          <a:xfrm>
+            <a:off x="0" y="8685213"/>
+            <a:ext cx="2971800" cy="458787"/>
+          </a:xfrm>
+          <a:prstGeom prst="rect">
+            <a:avLst/>
+          </a:prstGeom>
+        </p:spPr>
+        <p:txBody>
+          <a:bodyPr vert="horz" lIns="91440" tIns="45720" rIns="91440" bIns="45720" rtlCol="0" anchor="b"/>
+          <a:lstStyle>
+            <a:lvl1pPr algn="l">
+              <a:defRPr sz="1200"/>
+            </a:lvl1pPr>
+          </a:lstStyle>
+          <a:p>
+            <a:endParaRPr lang="en-US"/>
+          </a:p>
+        </p:txBody>
+      </p:sp>
+      <p:sp>
+        <p:nvSpPr>
+          <p:cNvPr id="7" name="Slide Number Placeholder 6"/>
+          <p:cNvSpPr>
+            <a:spLocks noGrp="1"/>
+          </p:cNvSpPr>
+          <p:nvPr>
+            <p:ph type="sldNum" sz="quarter" idx="5"/>
+          </p:nvPr>
+        </p:nvSpPr>
+        <p:spPr>
+          <a:xfrm>
+            <a:off x="3884613" y="8685213"/>
+            <a:ext cx="2971800" cy="458787"/>
+          </a:xfrm>
+          <a:prstGeom prst="rect">
+            <a:avLst/>
+          </a:prstGeom>
+        </p:spPr>
+        <p:txBody>
+          <a:bodyPr vert="horz" lIns="91440" tIns="45720" rIns="91440" bIns="45720" rtlCol="0" anchor="b"/>
+          <a:lstStyle>
+            <a:lvl1pPr algn="r">
+              <a:defRPr sz="1200"/>
+            </a:lvl1pPr>
+          </a:lstStyle>
+          <a:p>
+            <a:fld id="{21B2AA4F-B828-4D7C-AFD3-893933DAFCB4}" type="slidenum">
+              <a:rPr lang="en-US" smtClean="0"/>
+            </a:fld>
+            <a:endParaRPr lang="en-US"/>
+          </a:p>
+        </p:txBody>
+      </p:sp>
+    </p:spTree>
+  </p:cSld>
+  <p:clrMap bg1="lt1" tx1="dk1" bg2="lt2" tx2="dk2" accent1="accent1" accent2="accent2" accent3="accent3" accent4="accent4" accent5="accent5" accent6="accent6" hlink="hlink" folHlink="folHlink"/>
+  <p:notesStyle>
+    <a:lvl1pPr marL="0" algn="l" defTabSz="914400" rtl="0" eaLnBrk="1" latinLnBrk="0" hangingPunct="1">
+      <a:defRPr sz="1200" kern="1200">
+        <a:solidFill>
+          <a:schemeClr val="tx1"/>
+        </a:solidFill>
+        <a:latin typeface="+mn-lt"/>
+        <a:ea typeface="+mn-ea"/>
+        <a:cs typeface="+mn-cs"/>
+      </a:defRPr>
+    </a:lvl1pPr>
+    <a:lvl2pPr marL="457200" algn="l" defTabSz="914400" rtl="0" eaLnBrk="1" latinLnBrk="0" hangingPunct="1">
+      <a:defRPr sz="1200" kern="1200">
+        <a:solidFill>
+          <a:schemeClr val="tx1"/>
+        </a:solidFill>
+        <a:latin typeface="+mn-lt"/>
+        <a:ea typeface="+mn-ea"/>
+        <a:cs typeface="+mn-cs"/>
+      </a:defRPr>
+    </a:lvl2pPr>
+    <a:lvl3pPr marL="914400" algn="l" defTabSz="914400" rtl="0" eaLnBrk="1" latinLnBrk="0" hangingPunct="1">
+      <a:defRPr sz="1200" kern="1200">
+        <a:solidFill>
+          <a:schemeClr val="tx1"/>
+        </a:solidFill>
+        <a:latin typeface="+mn-lt"/>
+        <a:ea typeface="+mn-ea"/>
+        <a:cs typeface="+mn-cs"/>
+      </a:defRPr>
+    </a:lvl3pPr>
+    <a:lvl4pPr marL="1371600" algn="l" defTabSz="914400" rtl="0" eaLnBrk="1" latinLnBrk="0" hangingPunct="1">
+      <a:defRPr sz="1200" kern="1200">
+        <a:solidFill>
+          <a:schemeClr val="tx1"/>
+        </a:solidFill>
+        <a:latin typeface="+mn-lt"/>
+        <a:ea typeface="+mn-ea"/>
+        <a:cs typeface="+mn-cs"/>
+      </a:defRPr>
+    </a:lvl4pPr>
+    <a:lvl5pPr marL="1828800" algn="l" defTabSz="914400" rtl="0" eaLnBrk="1" latinLnBrk="0" hangingPunct="1">
+      <a:defRPr sz="1200" kern="1200">
+        <a:solidFill>
+          <a:schemeClr val="tx1"/>
+        </a:solidFill>
+        <a:latin typeface="+mn-lt"/>
+        <a:ea typeface="+mn-ea"/>
+        <a:cs typeface="+mn-cs"/>
+      </a:defRPr>
+    </a:lvl5pPr>
+    <a:lvl6pPr marL="2286000" algn="l" defTabSz="914400" rtl="0" eaLnBrk="1" latinLnBrk="0" hangingPunct="1">
+      <a:defRPr sz="1200" kern="1200">
+        <a:solidFill>
+          <a:schemeClr val="tx1"/>
+        </a:solidFill>
+        <a:latin typeface="+mn-lt"/>
+        <a:ea typeface="+mn-ea"/>
+        <a:cs typeface="+mn-cs"/>
+      </a:defRPr>
+    </a:lvl6pPr>
+    <a:lvl7pPr marL="2743200" algn="l" defTabSz="914400" rtl="0" eaLnBrk="1" latinLnBrk="0" hangingPunct="1">
+      <a:defRPr sz="1200" kern="1200">
+        <a:solidFill>
+          <a:schemeClr val="tx1"/>
+        </a:solidFill>
+        <a:latin typeface="+mn-lt"/>
+        <a:ea typeface="+mn-ea"/>
+        <a:cs typeface="+mn-cs"/>
+      </a:defRPr>
+    </a:lvl7pPr>
+    <a:lvl8pPr marL="3200400" algn="l" defTabSz="914400" rtl="0" eaLnBrk="1" latinLnBrk="0" hangingPunct="1">
+      <a:defRPr sz="1200" kern="1200">
+        <a:solidFill>
+          <a:schemeClr val="tx1"/>
+        </a:solidFill>
+        <a:latin typeface="+mn-lt"/>
+        <a:ea typeface="+mn-ea"/>
+        <a:cs typeface="+mn-cs"/>
+      </a:defRPr>
+    </a:lvl8pPr>
+    <a:lvl9pPr marL="3657600" algn="l" defTabSz="914400" rtl="0" eaLnBrk="1" latinLnBrk="0" hangingPunct="1">
+      <a:defRPr sz="1200" kern="1200">
+        <a:solidFill>
+          <a:schemeClr val="tx1"/>
+        </a:solidFill>
+        <a:latin typeface="+mn-lt"/>
+        <a:ea typeface="+mn-ea"/>
+        <a:cs typeface="+mn-cs"/>
+      </a:defRPr>
+    </a:lvl9pPr>
+  </p:notesStyle>
+</p:notesMaster>
+</file>
+
 <file path=ppt/slideLayouts/slideLayout1.xml><?xml version="1.0" encoding="utf-8"?>
 <p:sldLayout xmlns:a="http://schemas.openxmlformats.org/drawingml/2006/main" xmlns:r="http://schemas.openxmlformats.org/officeDocument/2006/relationships" xmlns:p="http://schemas.openxmlformats.org/presentationml/2006/main" type="title" preserve="1">
   <p:cSld name="Title Slide">
@@ -141,8 +498,8 @@
         </p:nvSpPr>
         <p:spPr>
           <a:xfrm>
-            <a:off x="1524000" y="1122363"/>
-            <a:ext cx="9144000" cy="2387600"/>
+            <a:off x="1143002" y="1122365"/>
+            <a:ext cx="6858010" cy="2387603"/>
           </a:xfrm>
         </p:spPr>
         <p:txBody>
@@ -173,8 +530,8 @@
         </p:nvSpPr>
         <p:spPr>
           <a:xfrm>
-            <a:off x="1524000" y="3602038"/>
-            <a:ext cx="9144000" cy="1655762"/>
+            <a:off x="1143002" y="3602043"/>
+            <a:ext cx="6858010" cy="1655764"/>
           </a:xfrm>
         </p:spPr>
         <p:txBody>
@@ -263,6 +620,10 @@
           <a:bodyPr/>
           <a:lstStyle/>
           <a:p>
+            <a:r>
+              <a:rPr lang="en-US"/>
+              <a:t>基于FPGA的片上网络自适应路由算法的设计与实现 - 江岑倩</a:t>
+            </a:r>
             <a:endParaRPr lang="en-US"/>
           </a:p>
         </p:txBody>
@@ -294,6 +655,7 @@
   <p:clrMapOvr>
     <a:masterClrMapping/>
   </p:clrMapOvr>
+  <p:hf hdr="0" dt="0"/>
 </p:sldLayout>
 </file>
 
@@ -430,6 +792,10 @@
           <a:bodyPr/>
           <a:lstStyle/>
           <a:p>
+            <a:r>
+              <a:rPr lang="en-US"/>
+              <a:t>基于FPGA的片上网络自适应路由算法的设计与实现 - 江岑倩</a:t>
+            </a:r>
             <a:endParaRPr lang="en-US"/>
           </a:p>
         </p:txBody>
@@ -461,6 +827,7 @@
   <p:clrMapOvr>
     <a:masterClrMapping/>
   </p:clrMapOvr>
+  <p:hf hdr="0" dt="0"/>
 </p:sldLayout>
 </file>
 
@@ -493,8 +860,8 @@
         </p:nvSpPr>
         <p:spPr>
           <a:xfrm>
-            <a:off x="8724900" y="365125"/>
-            <a:ext cx="2628900" cy="5811838"/>
+            <a:off x="6543685" y="365126"/>
+            <a:ext cx="1971678" cy="5811846"/>
           </a:xfrm>
         </p:spPr>
         <p:txBody>
@@ -521,8 +888,8 @@
         </p:nvSpPr>
         <p:spPr>
           <a:xfrm>
-            <a:off x="838200" y="365125"/>
-            <a:ext cx="7734300" cy="5811838"/>
+            <a:off x="628651" y="365126"/>
+            <a:ext cx="5800734" cy="5811846"/>
           </a:xfrm>
         </p:spPr>
         <p:txBody>
@@ -607,6 +974,10 @@
           <a:bodyPr/>
           <a:lstStyle/>
           <a:p>
+            <a:r>
+              <a:rPr lang="en-US"/>
+              <a:t>基于FPGA的片上网络自适应路由算法的设计与实现 - 江岑倩</a:t>
+            </a:r>
             <a:endParaRPr lang="en-US"/>
           </a:p>
         </p:txBody>
@@ -638,6 +1009,7 @@
   <p:clrMapOvr>
     <a:masterClrMapping/>
   </p:clrMapOvr>
+  <p:hf hdr="0" dt="0"/>
 </p:sldLayout>
 </file>
 
@@ -774,6 +1146,10 @@
           <a:bodyPr/>
           <a:lstStyle/>
           <a:p>
+            <a:r>
+              <a:rPr lang="en-US"/>
+              <a:t>基于FPGA的片上网络自适应路由算法的设计与实现 - 江岑倩</a:t>
+            </a:r>
             <a:endParaRPr lang="en-US"/>
           </a:p>
         </p:txBody>
@@ -805,6 +1181,7 @@
   <p:clrMapOvr>
     <a:masterClrMapping/>
   </p:clrMapOvr>
+  <p:hf hdr="0" dt="0"/>
 </p:sldLayout>
 </file>
 
@@ -837,8 +1214,8 @@
         </p:nvSpPr>
         <p:spPr>
           <a:xfrm>
-            <a:off x="831850" y="1709738"/>
-            <a:ext cx="10515600" cy="2852737"/>
+            <a:off x="623888" y="1709740"/>
+            <a:ext cx="7886712" cy="2852741"/>
           </a:xfrm>
         </p:spPr>
         <p:txBody>
@@ -869,8 +1246,8 @@
         </p:nvSpPr>
         <p:spPr>
           <a:xfrm>
-            <a:off x="831850" y="4589463"/>
-            <a:ext cx="10515600" cy="1500187"/>
+            <a:off x="623888" y="4589470"/>
+            <a:ext cx="7886712" cy="1500189"/>
           </a:xfrm>
         </p:spPr>
         <p:txBody>
@@ -1013,6 +1390,10 @@
           <a:bodyPr/>
           <a:lstStyle/>
           <a:p>
+            <a:r>
+              <a:rPr lang="en-US"/>
+              <a:t>基于FPGA的片上网络自适应路由算法的设计与实现 - 江岑倩</a:t>
+            </a:r>
             <a:endParaRPr lang="en-US"/>
           </a:p>
         </p:txBody>
@@ -1044,6 +1425,7 @@
   <p:clrMapOvr>
     <a:masterClrMapping/>
   </p:clrMapOvr>
+  <p:hf hdr="0" dt="0"/>
 </p:sldLayout>
 </file>
 
@@ -1099,8 +1481,8 @@
         </p:nvSpPr>
         <p:spPr>
           <a:xfrm>
-            <a:off x="838200" y="1825625"/>
-            <a:ext cx="5181600" cy="4351338"/>
+            <a:off x="628651" y="1825628"/>
+            <a:ext cx="3886206" cy="4351344"/>
           </a:xfrm>
         </p:spPr>
         <p:txBody>
@@ -1160,8 +1542,8 @@
         </p:nvSpPr>
         <p:spPr>
           <a:xfrm>
-            <a:off x="6172200" y="1825625"/>
-            <a:ext cx="5181600" cy="4351338"/>
+            <a:off x="4629157" y="1825628"/>
+            <a:ext cx="3886206" cy="4351344"/>
           </a:xfrm>
         </p:spPr>
         <p:txBody>
@@ -1246,6 +1628,10 @@
           <a:bodyPr/>
           <a:lstStyle/>
           <a:p>
+            <a:r>
+              <a:rPr lang="en-US"/>
+              <a:t>基于FPGA的片上网络自适应路由算法的设计与实现 - 江岑倩</a:t>
+            </a:r>
             <a:endParaRPr lang="en-US"/>
           </a:p>
         </p:txBody>
@@ -1277,6 +1663,7 @@
   <p:clrMapOvr>
     <a:masterClrMapping/>
   </p:clrMapOvr>
+  <p:hf hdr="0" dt="0"/>
 </p:sldLayout>
 </file>
 
@@ -1309,8 +1696,8 @@
         </p:nvSpPr>
         <p:spPr>
           <a:xfrm>
-            <a:off x="839788" y="365125"/>
-            <a:ext cx="10515600" cy="1325563"/>
+            <a:off x="629842" y="365126"/>
+            <a:ext cx="7886712" cy="1325565"/>
           </a:xfrm>
         </p:spPr>
         <p:txBody>
@@ -1337,8 +1724,8 @@
         </p:nvSpPr>
         <p:spPr>
           <a:xfrm>
-            <a:off x="839788" y="1681163"/>
-            <a:ext cx="5157787" cy="823912"/>
+            <a:off x="629842" y="1681165"/>
+            <a:ext cx="3868346" cy="823913"/>
           </a:xfrm>
         </p:spPr>
         <p:txBody>
@@ -1402,8 +1789,8 @@
         </p:nvSpPr>
         <p:spPr>
           <a:xfrm>
-            <a:off x="839788" y="2505075"/>
-            <a:ext cx="5157787" cy="3684588"/>
+            <a:off x="629842" y="2505079"/>
+            <a:ext cx="3868346" cy="3684593"/>
           </a:xfrm>
         </p:spPr>
         <p:txBody>
@@ -1463,8 +1850,8 @@
         </p:nvSpPr>
         <p:spPr>
           <a:xfrm>
-            <a:off x="6172200" y="1681163"/>
-            <a:ext cx="5183188" cy="823912"/>
+            <a:off x="4629157" y="1681165"/>
+            <a:ext cx="3887397" cy="823913"/>
           </a:xfrm>
         </p:spPr>
         <p:txBody>
@@ -1528,8 +1915,8 @@
         </p:nvSpPr>
         <p:spPr>
           <a:xfrm>
-            <a:off x="6172200" y="2505075"/>
-            <a:ext cx="5183188" cy="3684588"/>
+            <a:off x="4629157" y="2505079"/>
+            <a:ext cx="3887397" cy="3684593"/>
           </a:xfrm>
         </p:spPr>
         <p:txBody>
@@ -1614,6 +2001,10 @@
           <a:bodyPr/>
           <a:lstStyle/>
           <a:p>
+            <a:r>
+              <a:rPr lang="en-US"/>
+              <a:t>基于FPGA的片上网络自适应路由算法的设计与实现 - 江岑倩</a:t>
+            </a:r>
             <a:endParaRPr lang="en-US"/>
           </a:p>
         </p:txBody>
@@ -1645,6 +2036,7 @@
   <p:clrMapOvr>
     <a:masterClrMapping/>
   </p:clrMapOvr>
+  <p:hf hdr="0" dt="0"/>
 </p:sldLayout>
 </file>
 
@@ -1725,6 +2117,10 @@
           <a:bodyPr/>
           <a:lstStyle/>
           <a:p>
+            <a:r>
+              <a:rPr lang="en-US"/>
+              <a:t>基于FPGA的片上网络自适应路由算法的设计与实现 - 江岑倩</a:t>
+            </a:r>
             <a:endParaRPr lang="en-US"/>
           </a:p>
         </p:txBody>
@@ -1756,6 +2152,7 @@
   <p:clrMapOvr>
     <a:masterClrMapping/>
   </p:clrMapOvr>
+  <p:hf hdr="0" dt="0"/>
 </p:sldLayout>
 </file>
 
@@ -1813,6 +2210,10 @@
           <a:bodyPr/>
           <a:lstStyle/>
           <a:p>
+            <a:r>
+              <a:rPr lang="en-US"/>
+              <a:t>基于FPGA的片上网络自适应路由算法的设计与实现 - 江岑倩</a:t>
+            </a:r>
             <a:endParaRPr lang="en-US"/>
           </a:p>
         </p:txBody>
@@ -1844,6 +2245,7 @@
   <p:clrMapOvr>
     <a:masterClrMapping/>
   </p:clrMapOvr>
+  <p:hf hdr="0" dt="0"/>
 </p:sldLayout>
 </file>
 
@@ -1876,8 +2278,8 @@
         </p:nvSpPr>
         <p:spPr>
           <a:xfrm>
-            <a:off x="839788" y="457200"/>
-            <a:ext cx="3932237" cy="1600200"/>
+            <a:off x="629842" y="457201"/>
+            <a:ext cx="2949182" cy="1600202"/>
           </a:xfrm>
         </p:spPr>
         <p:txBody>
@@ -1908,8 +2310,8 @@
         </p:nvSpPr>
         <p:spPr>
           <a:xfrm>
-            <a:off x="5183188" y="987425"/>
-            <a:ext cx="6172200" cy="4873625"/>
+            <a:off x="3887397" y="987426"/>
+            <a:ext cx="4629157" cy="4873632"/>
           </a:xfrm>
         </p:spPr>
         <p:txBody>
@@ -1997,8 +2399,8 @@
         </p:nvSpPr>
         <p:spPr>
           <a:xfrm>
-            <a:off x="839788" y="2057400"/>
-            <a:ext cx="3932237" cy="3811588"/>
+            <a:off x="629842" y="2057403"/>
+            <a:ext cx="2949182" cy="3811594"/>
           </a:xfrm>
         </p:spPr>
         <p:txBody>
@@ -2087,6 +2489,10 @@
           <a:bodyPr/>
           <a:lstStyle/>
           <a:p>
+            <a:r>
+              <a:rPr lang="en-US"/>
+              <a:t>基于FPGA的片上网络自适应路由算法的设计与实现 - 江岑倩</a:t>
+            </a:r>
             <a:endParaRPr lang="en-US"/>
           </a:p>
         </p:txBody>
@@ -2118,6 +2524,7 @@
   <p:clrMapOvr>
     <a:masterClrMapping/>
   </p:clrMapOvr>
+  <p:hf hdr="0" dt="0"/>
 </p:sldLayout>
 </file>
 
@@ -2150,8 +2557,8 @@
         </p:nvSpPr>
         <p:spPr>
           <a:xfrm>
-            <a:off x="839788" y="457200"/>
-            <a:ext cx="3932237" cy="1600200"/>
+            <a:off x="629842" y="457201"/>
+            <a:ext cx="2949182" cy="1600202"/>
           </a:xfrm>
         </p:spPr>
         <p:txBody>
@@ -2182,8 +2589,8 @@
         </p:nvSpPr>
         <p:spPr>
           <a:xfrm>
-            <a:off x="5183188" y="987425"/>
-            <a:ext cx="6172200" cy="4873625"/>
+            <a:off x="3887397" y="987426"/>
+            <a:ext cx="4629157" cy="4873632"/>
           </a:xfrm>
         </p:spPr>
         <p:txBody>
@@ -2243,8 +2650,8 @@
         </p:nvSpPr>
         <p:spPr>
           <a:xfrm>
-            <a:off x="839788" y="2057400"/>
-            <a:ext cx="3932237" cy="3811588"/>
+            <a:off x="629842" y="2057403"/>
+            <a:ext cx="2949182" cy="3811594"/>
           </a:xfrm>
         </p:spPr>
         <p:txBody>
@@ -2333,6 +2740,10 @@
           <a:bodyPr/>
           <a:lstStyle/>
           <a:p>
+            <a:r>
+              <a:rPr lang="en-US"/>
+              <a:t>基于FPGA的片上网络自适应路由算法的设计与实现 - 江岑倩</a:t>
+            </a:r>
             <a:endParaRPr lang="en-US"/>
           </a:p>
         </p:txBody>
@@ -2371,6 +2782,7 @@
       </p:par>
     </p:tnLst>
   </p:timing>
+  <p:hf hdr="0" dt="0"/>
 </p:sldLayout>
 </file>
 
@@ -2408,8 +2820,8 @@
         </p:nvSpPr>
         <p:spPr>
           <a:xfrm>
-            <a:off x="838200" y="365125"/>
-            <a:ext cx="10515600" cy="1325563"/>
+            <a:off x="628651" y="365126"/>
+            <a:ext cx="7886712" cy="1325565"/>
           </a:xfrm>
           <a:prstGeom prst="rect">
             <a:avLst/>
@@ -2441,8 +2853,8 @@
         </p:nvSpPr>
         <p:spPr>
           <a:xfrm>
-            <a:off x="838200" y="1825625"/>
-            <a:ext cx="10515600" cy="4351338"/>
+            <a:off x="628651" y="1825628"/>
+            <a:ext cx="7886712" cy="4351344"/>
           </a:xfrm>
           <a:prstGeom prst="rect">
             <a:avLst/>
@@ -2507,8 +2919,8 @@
         </p:nvSpPr>
         <p:spPr>
           <a:xfrm>
-            <a:off x="838200" y="6356350"/>
-            <a:ext cx="2743200" cy="365125"/>
+            <a:off x="628651" y="6356359"/>
+            <a:ext cx="2057403" cy="365126"/>
           </a:xfrm>
           <a:prstGeom prst="rect">
             <a:avLst/>
@@ -2547,8 +2959,8 @@
         </p:nvSpPr>
         <p:spPr>
           <a:xfrm>
-            <a:off x="4038600" y="6356350"/>
-            <a:ext cx="4114800" cy="365125"/>
+            <a:off x="3028955" y="6356359"/>
+            <a:ext cx="3086105" cy="365126"/>
           </a:xfrm>
           <a:prstGeom prst="rect">
             <a:avLst/>
@@ -2568,6 +2980,10 @@
             </a:lvl1pPr>
           </a:lstStyle>
           <a:p>
+            <a:r>
+              <a:rPr lang="en-US"/>
+              <a:t>基于FPGA的片上网络自适应路由算法的设计与实现 - 江岑倩</a:t>
+            </a:r>
             <a:endParaRPr lang="en-US"/>
           </a:p>
         </p:txBody>
@@ -2584,8 +3000,8 @@
         </p:nvSpPr>
         <p:spPr>
           <a:xfrm>
-            <a:off x="8610600" y="6356350"/>
-            <a:ext cx="2743200" cy="365125"/>
+            <a:off x="6457960" y="6356359"/>
+            <a:ext cx="2057403" cy="365126"/>
           </a:xfrm>
           <a:prstGeom prst="rect">
             <a:avLst/>
@@ -2628,6 +3044,7 @@
     <p:sldLayoutId id="2147483658" r:id="rId10"/>
     <p:sldLayoutId id="2147483659" r:id="rId11"/>
   </p:sldLayoutIdLst>
+  <p:hf hdr="0" dt="0"/>
   <p:txStyles>
     <p:titleStyle>
       <a:lvl1pPr algn="l" defTabSz="914400" rtl="0" eaLnBrk="1" latinLnBrk="0" hangingPunct="1">
@@ -2980,6 +3397,520 @@
 </p:sld>
 </file>
 
+<file path=ppt/slides/slide10.xml><?xml version="1.0" encoding="utf-8"?>
+<p:sld xmlns:a="http://schemas.openxmlformats.org/drawingml/2006/main" xmlns:r="http://schemas.openxmlformats.org/officeDocument/2006/relationships" xmlns:p="http://schemas.openxmlformats.org/presentationml/2006/main">
+  <p:cSld>
+    <p:spTree>
+      <p:nvGrpSpPr>
+        <p:cNvPr id="1" name=""/>
+        <p:cNvGrpSpPr/>
+        <p:nvPr/>
+      </p:nvGrpSpPr>
+      <p:grpSpPr/>
+      <p:sp>
+        <p:nvSpPr>
+          <p:cNvPr id="2" name="Title 1"/>
+          <p:cNvSpPr>
+            <a:spLocks noGrp="1"/>
+          </p:cNvSpPr>
+          <p:nvPr>
+            <p:ph type="title"/>
+          </p:nvPr>
+        </p:nvSpPr>
+        <p:spPr/>
+        <p:txBody>
+          <a:bodyPr/>
+          <a:p>
+            <a:r>
+              <a:rPr lang="x-none" altLang="en-US"/>
+              <a:t>实验结果分析：</a:t>
+            </a:r>
+            <a:r>
+              <a:rPr lang="x-none" altLang="en-US">
+                <a:sym typeface="+mn-ea"/>
+              </a:rPr>
+              <a:t>吞吐率</a:t>
+            </a:r>
+            <a:endParaRPr lang="x-none" altLang="en-US"/>
+          </a:p>
+        </p:txBody>
+      </p:sp>
+      <p:sp>
+        <p:nvSpPr>
+          <p:cNvPr id="3" name="Content Placeholder 2"/>
+          <p:cNvSpPr>
+            <a:spLocks noGrp="1"/>
+          </p:cNvSpPr>
+          <p:nvPr>
+            <p:ph idx="1"/>
+          </p:nvPr>
+        </p:nvSpPr>
+        <p:spPr/>
+        <p:txBody>
+          <a:bodyPr/>
+          <a:p>
+            <a:r>
+              <a:rPr lang="x-none" altLang="en-US"/>
+              <a:t>图表：三张子图</a:t>
+            </a:r>
+            <a:endParaRPr lang="x-none" altLang="en-US"/>
+          </a:p>
+          <a:p>
+            <a:endParaRPr lang="x-none" altLang="en-US"/>
+          </a:p>
+          <a:p>
+            <a:r>
+              <a:rPr lang="x-none" altLang="en-US"/>
+              <a:t>结论</a:t>
+            </a:r>
+            <a:endParaRPr lang="x-none" altLang="en-US"/>
+          </a:p>
+        </p:txBody>
+      </p:sp>
+      <p:sp>
+        <p:nvSpPr>
+          <p:cNvPr id="4" name="Slide Number Placeholder 3"/>
+          <p:cNvSpPr>
+            <a:spLocks noGrp="1"/>
+          </p:cNvSpPr>
+          <p:nvPr>
+            <p:ph type="sldNum" sz="quarter" idx="12"/>
+          </p:nvPr>
+        </p:nvSpPr>
+        <p:spPr/>
+        <p:txBody>
+          <a:bodyPr/>
+          <a:p>
+            <a:fld id="{B3561BA9-CDCF-4958-B8AB-66F3BF063E13}" type="slidenum">
+              <a:rPr lang="en-US" smtClean="0"/>
+            </a:fld>
+            <a:endParaRPr lang="en-US"/>
+          </a:p>
+        </p:txBody>
+      </p:sp>
+      <p:sp>
+        <p:nvSpPr>
+          <p:cNvPr id="5" name="Footer Placeholder 4"/>
+          <p:cNvSpPr>
+            <a:spLocks noGrp="1"/>
+          </p:cNvSpPr>
+          <p:nvPr>
+            <p:ph type="ftr" sz="quarter" idx="11"/>
+          </p:nvPr>
+        </p:nvSpPr>
+        <p:spPr/>
+        <p:txBody>
+          <a:bodyPr/>
+          <a:p>
+            <a:r>
+              <a:rPr lang="en-US"/>
+              <a:t>基于FPGA的片上网络自适应路由算法的设计与实现 - 江岑倩</a:t>
+            </a:r>
+            <a:endParaRPr lang="en-US"/>
+          </a:p>
+        </p:txBody>
+      </p:sp>
+    </p:spTree>
+  </p:cSld>
+  <p:clrMapOvr>
+    <a:masterClrMapping/>
+  </p:clrMapOvr>
+</p:sld>
+</file>
+
+<file path=ppt/slides/slide11.xml><?xml version="1.0" encoding="utf-8"?>
+<p:sld xmlns:a="http://schemas.openxmlformats.org/drawingml/2006/main" xmlns:r="http://schemas.openxmlformats.org/officeDocument/2006/relationships" xmlns:p="http://schemas.openxmlformats.org/presentationml/2006/main">
+  <p:cSld>
+    <p:spTree>
+      <p:nvGrpSpPr>
+        <p:cNvPr id="1" name=""/>
+        <p:cNvGrpSpPr/>
+        <p:nvPr/>
+      </p:nvGrpSpPr>
+      <p:grpSpPr/>
+      <p:sp>
+        <p:nvSpPr>
+          <p:cNvPr id="2" name="Title 1"/>
+          <p:cNvSpPr>
+            <a:spLocks noGrp="1"/>
+          </p:cNvSpPr>
+          <p:nvPr>
+            <p:ph type="title"/>
+          </p:nvPr>
+        </p:nvSpPr>
+        <p:spPr/>
+        <p:txBody>
+          <a:bodyPr/>
+          <a:p>
+            <a:r>
+              <a:rPr lang="x-none" altLang="en-US"/>
+              <a:t>实验结果分析：平均包时延</a:t>
+            </a:r>
+            <a:endParaRPr lang="x-none" altLang="en-US"/>
+          </a:p>
+        </p:txBody>
+      </p:sp>
+      <p:sp>
+        <p:nvSpPr>
+          <p:cNvPr id="3" name="Content Placeholder 2"/>
+          <p:cNvSpPr>
+            <a:spLocks noGrp="1"/>
+          </p:cNvSpPr>
+          <p:nvPr>
+            <p:ph idx="1"/>
+          </p:nvPr>
+        </p:nvSpPr>
+        <p:spPr/>
+        <p:txBody>
+          <a:bodyPr/>
+          <a:p>
+            <a:r>
+              <a:rPr lang="x-none" altLang="en-US">
+                <a:sym typeface="+mn-ea"/>
+              </a:rPr>
+              <a:t>图表：三张子图</a:t>
+            </a:r>
+            <a:endParaRPr lang="x-none" altLang="en-US"/>
+          </a:p>
+          <a:p>
+            <a:endParaRPr lang="x-none" altLang="en-US"/>
+          </a:p>
+          <a:p>
+            <a:r>
+              <a:rPr lang="x-none" altLang="en-US">
+                <a:sym typeface="+mn-ea"/>
+              </a:rPr>
+              <a:t>结论</a:t>
+            </a:r>
+            <a:endParaRPr lang="x-none" altLang="en-US"/>
+          </a:p>
+        </p:txBody>
+      </p:sp>
+      <p:sp>
+        <p:nvSpPr>
+          <p:cNvPr id="4" name="Slide Number Placeholder 3"/>
+          <p:cNvSpPr>
+            <a:spLocks noGrp="1"/>
+          </p:cNvSpPr>
+          <p:nvPr>
+            <p:ph type="sldNum" sz="quarter" idx="12"/>
+          </p:nvPr>
+        </p:nvSpPr>
+        <p:spPr/>
+        <p:txBody>
+          <a:bodyPr/>
+          <a:p>
+            <a:fld id="{B3561BA9-CDCF-4958-B8AB-66F3BF063E13}" type="slidenum">
+              <a:rPr lang="en-US" smtClean="0"/>
+            </a:fld>
+            <a:endParaRPr lang="en-US"/>
+          </a:p>
+        </p:txBody>
+      </p:sp>
+      <p:sp>
+        <p:nvSpPr>
+          <p:cNvPr id="5" name="Footer Placeholder 4"/>
+          <p:cNvSpPr>
+            <a:spLocks noGrp="1"/>
+          </p:cNvSpPr>
+          <p:nvPr>
+            <p:ph type="ftr" sz="quarter" idx="11"/>
+          </p:nvPr>
+        </p:nvSpPr>
+        <p:spPr/>
+        <p:txBody>
+          <a:bodyPr/>
+          <a:p>
+            <a:r>
+              <a:rPr lang="en-US"/>
+              <a:t>基于FPGA的片上网络自适应路由算法的设计与实现 - 江岑倩</a:t>
+            </a:r>
+            <a:endParaRPr lang="en-US"/>
+          </a:p>
+        </p:txBody>
+      </p:sp>
+    </p:spTree>
+  </p:cSld>
+  <p:clrMapOvr>
+    <a:masterClrMapping/>
+  </p:clrMapOvr>
+</p:sld>
+</file>
+
+<file path=ppt/slides/slide12.xml><?xml version="1.0" encoding="utf-8"?>
+<p:sld xmlns:a="http://schemas.openxmlformats.org/drawingml/2006/main" xmlns:r="http://schemas.openxmlformats.org/officeDocument/2006/relationships" xmlns:p="http://schemas.openxmlformats.org/presentationml/2006/main">
+  <p:cSld>
+    <p:spTree>
+      <p:nvGrpSpPr>
+        <p:cNvPr id="1" name=""/>
+        <p:cNvGrpSpPr/>
+        <p:nvPr/>
+      </p:nvGrpSpPr>
+      <p:grpSpPr/>
+      <p:sp>
+        <p:nvSpPr>
+          <p:cNvPr id="2" name="Title 1"/>
+          <p:cNvSpPr>
+            <a:spLocks noGrp="1"/>
+          </p:cNvSpPr>
+          <p:nvPr>
+            <p:ph type="title"/>
+          </p:nvPr>
+        </p:nvSpPr>
+        <p:spPr/>
+        <p:txBody>
+          <a:bodyPr/>
+          <a:p>
+            <a:r>
+              <a:rPr lang="x-none" altLang="en-US"/>
+              <a:t>结束语</a:t>
+            </a:r>
+            <a:endParaRPr lang="x-none" altLang="en-US"/>
+          </a:p>
+        </p:txBody>
+      </p:sp>
+      <p:sp>
+        <p:nvSpPr>
+          <p:cNvPr id="3" name="Content Placeholder 2"/>
+          <p:cNvSpPr>
+            <a:spLocks noGrp="1"/>
+          </p:cNvSpPr>
+          <p:nvPr>
+            <p:ph idx="1"/>
+          </p:nvPr>
+        </p:nvSpPr>
+        <p:spPr/>
+        <p:txBody>
+          <a:bodyPr>
+            <a:normAutofit/>
+          </a:bodyPr>
+          <a:p>
+            <a:r>
+              <a:rPr lang="x-none" altLang="en-US"/>
+              <a:t>工作总结</a:t>
+            </a:r>
+            <a:endParaRPr lang="x-none" altLang="en-US"/>
+          </a:p>
+          <a:p>
+            <a:pPr lvl="1"/>
+            <a:r>
+              <a:rPr lang="x-none" altLang="en-US" sz="2400"/>
+              <a:t>前期工作</a:t>
+            </a:r>
+            <a:endParaRPr lang="x-none" altLang="en-US" sz="2400"/>
+          </a:p>
+          <a:p>
+            <a:pPr lvl="2"/>
+            <a:r>
+              <a:rPr lang="x-none" altLang="en-US" sz="2000"/>
+              <a:t>NoC、ACO和FPGA文献阅读</a:t>
+            </a:r>
+            <a:endParaRPr lang="x-none" altLang="en-US" sz="2000"/>
+          </a:p>
+          <a:p>
+            <a:pPr lvl="2"/>
+            <a:r>
+              <a:rPr lang="x-none" altLang="en-US" sz="2000"/>
+              <a:t>基于MOJO开发板的FPGA编程练习</a:t>
+            </a:r>
+            <a:endParaRPr lang="x-none" altLang="en-US" sz="2000"/>
+          </a:p>
+          <a:p>
+            <a:pPr lvl="1"/>
+            <a:r>
+              <a:rPr lang="x-none" altLang="en-US" sz="2400"/>
+              <a:t>核心工作</a:t>
+            </a:r>
+            <a:endParaRPr lang="x-none" altLang="en-US" sz="2400"/>
+          </a:p>
+          <a:p>
+            <a:pPr lvl="2"/>
+            <a:r>
+              <a:rPr lang="x-none" altLang="en-US" sz="2000"/>
+              <a:t>Odd Even路由算法的FPGA设计、实现与仿真</a:t>
+            </a:r>
+            <a:endParaRPr lang="x-none" altLang="en-US" sz="2000"/>
+          </a:p>
+          <a:p>
+            <a:pPr lvl="2"/>
+            <a:r>
+              <a:rPr lang="x-none" altLang="en-US" sz="2000"/>
+              <a:t>ACO选择算法的FPGA设计与实现与仿真</a:t>
+            </a:r>
+            <a:endParaRPr lang="x-none" altLang="en-US" sz="2000"/>
+          </a:p>
+          <a:p>
+            <a:endParaRPr lang="x-none" altLang="en-US"/>
+          </a:p>
+          <a:p>
+            <a:r>
+              <a:rPr lang="x-none" altLang="en-US"/>
+              <a:t>不足与可改进</a:t>
+            </a:r>
+            <a:r>
+              <a:rPr lang="x-none" altLang="en-US">
+                <a:sym typeface="+mn-ea"/>
+              </a:rPr>
+              <a:t>之处</a:t>
+            </a:r>
+            <a:endParaRPr lang="x-none" altLang="en-US">
+              <a:sym typeface="+mn-ea"/>
+            </a:endParaRPr>
+          </a:p>
+          <a:p>
+            <a:pPr lvl="1"/>
+            <a:r>
+              <a:rPr lang="x-none" altLang="en-US" sz="2055"/>
+              <a:t>扩大结点数</a:t>
+            </a:r>
+            <a:r>
+              <a:rPr lang="x-none" altLang="en-US" sz="2055">
+                <a:sym typeface="+mn-ea"/>
+              </a:rPr>
+              <a:t>、完善路由器架构</a:t>
+            </a:r>
+            <a:r>
+              <a:rPr lang="x-none" altLang="en-US" sz="2055"/>
+              <a:t>、优化ACO选择算法</a:t>
+            </a:r>
+            <a:endParaRPr lang="x-none" altLang="en-US" sz="2055"/>
+          </a:p>
+        </p:txBody>
+      </p:sp>
+      <p:sp>
+        <p:nvSpPr>
+          <p:cNvPr id="4" name="Slide Number Placeholder 3"/>
+          <p:cNvSpPr>
+            <a:spLocks noGrp="1"/>
+          </p:cNvSpPr>
+          <p:nvPr>
+            <p:ph type="sldNum" sz="quarter" idx="12"/>
+          </p:nvPr>
+        </p:nvSpPr>
+        <p:spPr/>
+        <p:txBody>
+          <a:bodyPr/>
+          <a:p>
+            <a:fld id="{B3561BA9-CDCF-4958-B8AB-66F3BF063E13}" type="slidenum">
+              <a:rPr lang="en-US" smtClean="0"/>
+            </a:fld>
+            <a:endParaRPr lang="en-US"/>
+          </a:p>
+        </p:txBody>
+      </p:sp>
+      <p:sp>
+        <p:nvSpPr>
+          <p:cNvPr id="5" name="Footer Placeholder 4"/>
+          <p:cNvSpPr>
+            <a:spLocks noGrp="1"/>
+          </p:cNvSpPr>
+          <p:nvPr>
+            <p:ph type="ftr" sz="quarter" idx="11"/>
+          </p:nvPr>
+        </p:nvSpPr>
+        <p:spPr/>
+        <p:txBody>
+          <a:bodyPr/>
+          <a:p>
+            <a:r>
+              <a:rPr lang="en-US"/>
+              <a:t>基于FPGA的片上网络自适应路由算法的设计与实现 - 江岑倩</a:t>
+            </a:r>
+            <a:endParaRPr lang="en-US"/>
+          </a:p>
+        </p:txBody>
+      </p:sp>
+    </p:spTree>
+  </p:cSld>
+  <p:clrMapOvr>
+    <a:masterClrMapping/>
+  </p:clrMapOvr>
+</p:sld>
+</file>
+
+<file path=ppt/slides/slide13.xml><?xml version="1.0" encoding="utf-8"?>
+<p:sld xmlns:a="http://schemas.openxmlformats.org/drawingml/2006/main" xmlns:r="http://schemas.openxmlformats.org/officeDocument/2006/relationships" xmlns:p="http://schemas.openxmlformats.org/presentationml/2006/main">
+  <p:cSld>
+    <p:spTree>
+      <p:nvGrpSpPr>
+        <p:cNvPr id="1" name=""/>
+        <p:cNvGrpSpPr/>
+        <p:nvPr/>
+      </p:nvGrpSpPr>
+      <p:grpSpPr/>
+      <p:sp>
+        <p:nvSpPr>
+          <p:cNvPr id="2" name="Title 1"/>
+          <p:cNvSpPr>
+            <a:spLocks noGrp="1"/>
+          </p:cNvSpPr>
+          <p:nvPr>
+            <p:ph type="title"/>
+          </p:nvPr>
+        </p:nvSpPr>
+        <p:spPr/>
+        <p:txBody>
+          <a:bodyPr/>
+          <a:p>
+            <a:r>
+              <a:rPr lang="x-none" altLang="en-US"/>
+              <a:t>谢谢！</a:t>
+            </a:r>
+            <a:endParaRPr lang="x-none" altLang="en-US"/>
+          </a:p>
+        </p:txBody>
+      </p:sp>
+      <p:sp>
+        <p:nvSpPr>
+          <p:cNvPr id="4" name="Slide Number Placeholder 3"/>
+          <p:cNvSpPr>
+            <a:spLocks noGrp="1"/>
+          </p:cNvSpPr>
+          <p:nvPr>
+            <p:ph type="sldNum" sz="quarter" idx="12"/>
+          </p:nvPr>
+        </p:nvSpPr>
+        <p:spPr/>
+        <p:txBody>
+          <a:bodyPr/>
+          <a:p>
+            <a:fld id="{B3561BA9-CDCF-4958-B8AB-66F3BF063E13}" type="slidenum">
+              <a:rPr lang="en-US" smtClean="0"/>
+            </a:fld>
+            <a:endParaRPr lang="en-US"/>
+          </a:p>
+        </p:txBody>
+      </p:sp>
+      <p:sp>
+        <p:nvSpPr>
+          <p:cNvPr id="5" name="Footer Placeholder 4"/>
+          <p:cNvSpPr>
+            <a:spLocks noGrp="1"/>
+          </p:cNvSpPr>
+          <p:nvPr>
+            <p:ph type="ftr" sz="quarter" idx="11"/>
+          </p:nvPr>
+        </p:nvSpPr>
+        <p:spPr/>
+        <p:txBody>
+          <a:bodyPr/>
+          <a:p>
+            <a:r>
+              <a:rPr lang="en-US"/>
+              <a:t>基于FPGA的片上网络自适应路由算法的设计与实现 - 江岑倩</a:t>
+            </a:r>
+            <a:endParaRPr lang="en-US"/>
+          </a:p>
+        </p:txBody>
+      </p:sp>
+    </p:spTree>
+  </p:cSld>
+  <p:clrMapOvr>
+    <a:masterClrMapping/>
+  </p:clrMapOvr>
+</p:sld>
+</file>
+
 <file path=ppt/slides/slide2.xml><?xml version="1.0" encoding="utf-8"?>
 <p:sld xmlns:a="http://schemas.openxmlformats.org/drawingml/2006/main" xmlns:r="http://schemas.openxmlformats.org/officeDocument/2006/relationships" xmlns:p="http://schemas.openxmlformats.org/presentationml/2006/main">
   <p:cSld>
@@ -3028,14 +3959,7 @@
           <a:p>
             <a:r>
               <a:rPr lang="x-none" altLang="en-US"/>
-              <a:t>课题背景</a:t>
-            </a:r>
-            <a:endParaRPr lang="x-none" altLang="en-US"/>
-          </a:p>
-          <a:p>
-            <a:r>
-              <a:rPr lang="x-none" altLang="en-US"/>
-              <a:t>研究意义</a:t>
+              <a:t>背景</a:t>
             </a:r>
             <a:endParaRPr lang="x-none" altLang="en-US"/>
           </a:p>
@@ -3063,9 +3987,79 @@
           <a:p>
             <a:r>
               <a:rPr lang="x-none" altLang="en-US"/>
+              <a:t>实验配置</a:t>
+            </a:r>
+            <a:endParaRPr lang="x-none" altLang="en-US"/>
+          </a:p>
+          <a:p>
+            <a:r>
+              <a:rPr lang="x-none" altLang="en-US">
+                <a:sym typeface="+mn-ea"/>
+              </a:rPr>
+              <a:t>主要</a:t>
+            </a:r>
+            <a:r>
+              <a:rPr lang="x-none" altLang="en-US"/>
+              <a:t>性能指标</a:t>
+            </a:r>
+            <a:endParaRPr lang="x-none" altLang="en-US"/>
+          </a:p>
+          <a:p>
+            <a:r>
+              <a:rPr lang="x-none" altLang="en-US"/>
               <a:t>实验结果与分析</a:t>
             </a:r>
             <a:endParaRPr lang="x-none" altLang="en-US"/>
+          </a:p>
+          <a:p>
+            <a:r>
+              <a:rPr lang="x-none" altLang="en-US"/>
+              <a:t>结束语</a:t>
+            </a:r>
+            <a:endParaRPr lang="x-none" altLang="en-US"/>
+          </a:p>
+        </p:txBody>
+      </p:sp>
+      <p:sp>
+        <p:nvSpPr>
+          <p:cNvPr id="4" name="Slide Number Placeholder 3"/>
+          <p:cNvSpPr>
+            <a:spLocks noGrp="1"/>
+          </p:cNvSpPr>
+          <p:nvPr>
+            <p:ph type="sldNum" sz="quarter" idx="12"/>
+          </p:nvPr>
+        </p:nvSpPr>
+        <p:spPr/>
+        <p:txBody>
+          <a:bodyPr/>
+          <a:p>
+            <a:fld id="{B3561BA9-CDCF-4958-B8AB-66F3BF063E13}" type="slidenum">
+              <a:rPr lang="en-US" smtClean="0"/>
+            </a:fld>
+            <a:endParaRPr lang="en-US"/>
+          </a:p>
+        </p:txBody>
+      </p:sp>
+      <p:sp>
+        <p:nvSpPr>
+          <p:cNvPr id="5" name="Footer Placeholder 4"/>
+          <p:cNvSpPr>
+            <a:spLocks noGrp="1"/>
+          </p:cNvSpPr>
+          <p:nvPr>
+            <p:ph type="ftr" sz="quarter" idx="11"/>
+          </p:nvPr>
+        </p:nvSpPr>
+        <p:spPr/>
+        <p:txBody>
+          <a:bodyPr/>
+          <a:p>
+            <a:r>
+              <a:rPr lang="en-US"/>
+              <a:t>基于FPGA的片上网络自适应路由算法的设计与实现 - 江岑倩</a:t>
+            </a:r>
+            <a:endParaRPr lang="en-US"/>
           </a:p>
         </p:txBody>
       </p:sp>
@@ -3099,11 +4093,13 @@
         </p:nvSpPr>
         <p:spPr/>
         <p:txBody>
-          <a:bodyPr/>
+          <a:bodyPr>
+            <a:normAutofit/>
+          </a:bodyPr>
           <a:p>
             <a:r>
               <a:rPr lang="x-none" altLang="en-US"/>
-              <a:t>课题背景</a:t>
+              <a:t>背景：片上网络与路由算法</a:t>
             </a:r>
             <a:endParaRPr lang="x-none" altLang="en-US"/>
           </a:p>
@@ -3121,7 +4117,9 @@
         </p:nvSpPr>
         <p:spPr/>
         <p:txBody>
-          <a:bodyPr/>
+          <a:bodyPr>
+            <a:normAutofit/>
+          </a:bodyPr>
           <a:p>
             <a:r>
               <a:rPr lang="x-none" altLang="en-US"/>
@@ -3132,49 +4130,106 @@
           <a:p>
             <a:r>
               <a:rPr lang="x-none" altLang="en-US"/>
+              <a:t>片上网络</a:t>
+            </a:r>
+            <a:endParaRPr lang="x-none" altLang="en-US"/>
+          </a:p>
+          <a:p>
+            <a:pPr lvl="1"/>
+            <a:r>
+              <a:rPr lang="x-none" altLang="en-US"/>
+              <a:t>比传统的总线互连可扩展性更好、功耗更低</a:t>
+            </a:r>
+            <a:endParaRPr lang="x-none" altLang="en-US"/>
+          </a:p>
+          <a:p>
+            <a:pPr lvl="0"/>
+            <a:endParaRPr lang="x-none" altLang="en-US"/>
+          </a:p>
+          <a:p>
+            <a:pPr lvl="0"/>
+            <a:r>
+              <a:rPr lang="x-none" altLang="en-US" sz="2800">
+                <a:sym typeface="+mn-ea"/>
+              </a:rPr>
               <a:t>每个核心上运行的应用其数据访问特征不一样</a:t>
             </a:r>
-            <a:endParaRPr lang="x-none" altLang="en-US"/>
+            <a:endParaRPr lang="x-none" altLang="en-US" sz="2800">
+              <a:sym typeface="+mn-ea"/>
+            </a:endParaRPr>
           </a:p>
           <a:p>
             <a:pPr lvl="1"/>
             <a:r>
+              <a:rPr lang="x-none" altLang="en-US" sz="2400">
+                <a:sym typeface="+mn-ea"/>
+              </a:rPr>
+              <a:t>数据密集型 vs. 计算密集型</a:t>
+            </a:r>
+            <a:endParaRPr lang="x-none" altLang="en-US" sz="2400"/>
+          </a:p>
+          <a:p>
+            <a:pPr lvl="0"/>
+            <a:r>
               <a:rPr lang="x-none" altLang="en-US"/>
-              <a:t>数据密集型(Data Intensive) vs. 计算密集型 (Compute Intensive)</a:t>
+              <a:t>自适应路由算法</a:t>
+            </a:r>
+            <a:endParaRPr lang="x-none" altLang="en-US"/>
+          </a:p>
+          <a:p>
+            <a:pPr lvl="1"/>
+            <a:r>
+              <a:rPr lang="x-none" altLang="en-US"/>
+              <a:t>比确定性路由算法更能适应不均匀的片上网络流量分布</a:t>
             </a:r>
             <a:endParaRPr lang="x-none" altLang="en-US"/>
           </a:p>
           <a:p>
             <a:pPr lvl="0"/>
-            <a:r>
-              <a:rPr lang="x-none" altLang="en-US"/>
-              <a:t>导致芯片上每个核心或存储部件的通信量分布不均匀</a:t>
-            </a:r>
-            <a:endParaRPr lang="x-none" altLang="en-US"/>
-          </a:p>
-          <a:p>
-            <a:pPr lvl="0"/>
-            <a:endParaRPr lang="x-none" altLang="en-US"/>
-          </a:p>
-          <a:p>
-            <a:pPr lvl="0"/>
-            <a:r>
-              <a:rPr lang="x-none" altLang="en-US"/>
-              <a:t>片上网络：比传统的总线互连可扩展性更好、功耗更低</a:t>
-            </a:r>
-            <a:endParaRPr lang="x-none" altLang="en-US"/>
-          </a:p>
-          <a:p>
-            <a:pPr lvl="0"/>
-            <a:r>
-              <a:rPr lang="x-none" altLang="en-US"/>
-              <a:t>自适应路由算法：比确定性路由算法更能适应不均匀的片上网络流量分布</a:t>
-            </a:r>
-            <a:endParaRPr lang="x-none" altLang="en-US"/>
-          </a:p>
-          <a:p>
-            <a:pPr lvl="0"/>
-            <a:endParaRPr lang="x-none" altLang="en-US"/>
+            <a:endParaRPr lang="x-none" altLang="en-US"/>
+          </a:p>
+        </p:txBody>
+      </p:sp>
+      <p:sp>
+        <p:nvSpPr>
+          <p:cNvPr id="4" name="Slide Number Placeholder 3"/>
+          <p:cNvSpPr>
+            <a:spLocks noGrp="1"/>
+          </p:cNvSpPr>
+          <p:nvPr>
+            <p:ph type="sldNum" sz="quarter" idx="12"/>
+          </p:nvPr>
+        </p:nvSpPr>
+        <p:spPr/>
+        <p:txBody>
+          <a:bodyPr/>
+          <a:p>
+            <a:fld id="{B3561BA9-CDCF-4958-B8AB-66F3BF063E13}" type="slidenum">
+              <a:rPr lang="en-US" smtClean="0"/>
+            </a:fld>
+            <a:endParaRPr lang="en-US"/>
+          </a:p>
+        </p:txBody>
+      </p:sp>
+      <p:sp>
+        <p:nvSpPr>
+          <p:cNvPr id="5" name="Footer Placeholder 4"/>
+          <p:cNvSpPr>
+            <a:spLocks noGrp="1"/>
+          </p:cNvSpPr>
+          <p:nvPr>
+            <p:ph type="ftr" sz="quarter" idx="11"/>
+          </p:nvPr>
+        </p:nvSpPr>
+        <p:spPr/>
+        <p:txBody>
+          <a:bodyPr/>
+          <a:p>
+            <a:r>
+              <a:rPr lang="en-US"/>
+              <a:t>基于FPGA的片上网络自适应路由算法的设计与实现 - 江岑倩</a:t>
+            </a:r>
+            <a:endParaRPr lang="en-US"/>
           </a:p>
         </p:txBody>
       </p:sp>
@@ -3212,7 +4267,7 @@
           <a:p>
             <a:r>
               <a:rPr lang="x-none" altLang="en-US"/>
-              <a:t>课题背景（续）</a:t>
+              <a:t>相关工作：自适应路由算法</a:t>
             </a:r>
             <a:endParaRPr lang="x-none" altLang="en-US"/>
           </a:p>
@@ -3234,36 +4289,32 @@
           <a:p>
             <a:r>
               <a:rPr lang="x-none" altLang="en-US"/>
-              <a:t>自适应路由算法</a:t>
+              <a:t>路由算法：从所有输出端口列表中选出可用的输出端口列表</a:t>
             </a:r>
             <a:endParaRPr lang="x-none" altLang="en-US"/>
           </a:p>
           <a:p>
             <a:pPr lvl="1"/>
             <a:r>
+              <a:rPr lang="x-none" altLang="en-US" sz="2400"/>
+              <a:t>Odd Even Turn Model（奇偶转弯）路由算法</a:t>
+            </a:r>
+            <a:endParaRPr lang="x-none" altLang="en-US" sz="2400"/>
+          </a:p>
+          <a:p>
+            <a:pPr lvl="0"/>
+            <a:endParaRPr lang="x-none" altLang="en-US"/>
+          </a:p>
+          <a:p>
+            <a:pPr lvl="0"/>
+            <a:r>
               <a:rPr lang="x-none" altLang="en-US"/>
-              <a:t>路由算法：从所有输出端口列表中选择出可用的输出端口列表</a:t>
-            </a:r>
-            <a:endParaRPr lang="x-none" altLang="en-US"/>
-          </a:p>
-          <a:p>
-            <a:pPr lvl="2"/>
-            <a:r>
-              <a:rPr lang="x-none" altLang="en-US" sz="2000"/>
-              <a:t>Odd Even Turn Model（奇偶转弯）路由算法</a:t>
-            </a:r>
-            <a:endParaRPr lang="x-none" altLang="en-US" sz="2000"/>
+              <a:t>选择算法：从可用的输出端口列表中选出最合适的输出端口</a:t>
+            </a:r>
+            <a:endParaRPr lang="x-none" altLang="en-US"/>
           </a:p>
           <a:p>
             <a:pPr lvl="1"/>
-            <a:r>
-              <a:rPr lang="x-none" altLang="en-US"/>
-              <a:t>选择算法：从可用的输出端口列表中选择出最合适的输出端口</a:t>
-            </a:r>
-            <a:endParaRPr lang="x-none" altLang="en-US"/>
-          </a:p>
-          <a:p>
-            <a:pPr lvl="2"/>
             <a:r>
               <a:rPr lang="x-none" altLang="en-US"/>
               <a:t>Buffer Level （缓存水平）选择算法</a:t>
@@ -3271,7 +4322,7 @@
             <a:endParaRPr lang="x-none" altLang="en-US"/>
           </a:p>
           <a:p>
-            <a:pPr lvl="2"/>
+            <a:pPr lvl="1"/>
             <a:r>
               <a:rPr lang="x-none" altLang="en-US"/>
               <a:t>Neighbor on Path （NoP，路径邻居）选择算法</a:t>
@@ -3279,32 +4330,55 @@
             <a:endParaRPr lang="x-none" altLang="en-US"/>
           </a:p>
           <a:p>
-            <a:pPr lvl="2"/>
+            <a:pPr lvl="1"/>
             <a:r>
               <a:rPr lang="x-none" altLang="en-US"/>
               <a:t>上述两种算法都未考虑网络状态的历史信息</a:t>
             </a:r>
             <a:endParaRPr lang="x-none" altLang="en-US"/>
           </a:p>
-          <a:p>
-            <a:pPr lvl="0"/>
-            <a:endParaRPr lang="x-none" altLang="en-US"/>
-          </a:p>
-          <a:p>
-            <a:pPr lvl="0"/>
-            <a:r>
-              <a:rPr lang="x-none" altLang="en-US"/>
-              <a:t>基于蚁群优化的自适应路由选择算法</a:t>
-            </a:r>
-            <a:endParaRPr lang="x-none" altLang="en-US"/>
-          </a:p>
-          <a:p>
-            <a:pPr lvl="1"/>
-            <a:r>
-              <a:rPr lang="x-none" altLang="en-US"/>
-              <a:t>结合了基于信息素的路由表设计以及基于缓冲水平的本地模型</a:t>
-            </a:r>
-            <a:endParaRPr lang="x-none" altLang="en-US"/>
+        </p:txBody>
+      </p:sp>
+      <p:sp>
+        <p:nvSpPr>
+          <p:cNvPr id="4" name="Slide Number Placeholder 3"/>
+          <p:cNvSpPr>
+            <a:spLocks noGrp="1"/>
+          </p:cNvSpPr>
+          <p:nvPr>
+            <p:ph type="sldNum" sz="quarter" idx="12"/>
+          </p:nvPr>
+        </p:nvSpPr>
+        <p:spPr/>
+        <p:txBody>
+          <a:bodyPr/>
+          <a:p>
+            <a:fld id="{B3561BA9-CDCF-4958-B8AB-66F3BF063E13}" type="slidenum">
+              <a:rPr lang="en-US" smtClean="0"/>
+            </a:fld>
+            <a:endParaRPr lang="en-US"/>
+          </a:p>
+        </p:txBody>
+      </p:sp>
+      <p:sp>
+        <p:nvSpPr>
+          <p:cNvPr id="5" name="Footer Placeholder 4"/>
+          <p:cNvSpPr>
+            <a:spLocks noGrp="1"/>
+          </p:cNvSpPr>
+          <p:nvPr>
+            <p:ph type="ftr" sz="quarter" idx="11"/>
+          </p:nvPr>
+        </p:nvSpPr>
+        <p:spPr/>
+        <p:txBody>
+          <a:bodyPr/>
+          <a:p>
+            <a:r>
+              <a:rPr lang="en-US"/>
+              <a:t>基于FPGA的片上网络自适应路由算法的设计与实现 - 江岑倩</a:t>
+            </a:r>
+            <a:endParaRPr lang="en-US"/>
           </a:p>
         </p:txBody>
       </p:sp>
@@ -3344,31 +4418,39 @@
               <a:rPr lang="x-none" altLang="en-US">
                 <a:sym typeface="+mn-ea"/>
               </a:rPr>
+              <a:t>相关工作：蚁群优化</a:t>
+            </a:r>
+            <a:endParaRPr lang="en-US"/>
+          </a:p>
+        </p:txBody>
+      </p:sp>
+      <p:sp>
+        <p:nvSpPr>
+          <p:cNvPr id="3" name="Content Placeholder 2"/>
+          <p:cNvSpPr>
+            <a:spLocks noGrp="1"/>
+          </p:cNvSpPr>
+          <p:nvPr>
+            <p:ph idx="1"/>
+          </p:nvPr>
+        </p:nvSpPr>
+        <p:spPr/>
+        <p:txBody>
+          <a:bodyPr>
+            <a:normAutofit/>
+          </a:bodyPr>
+          <a:p>
+            <a:r>
+              <a:rPr lang="x-none" altLang="en-US"/>
               <a:t>蚁群优化（Ant Colony Optimization, ACO）</a:t>
             </a:r>
-            <a:endParaRPr lang="en-US"/>
-          </a:p>
-        </p:txBody>
-      </p:sp>
-      <p:sp>
-        <p:nvSpPr>
-          <p:cNvPr id="3" name="Content Placeholder 2"/>
-          <p:cNvSpPr>
-            <a:spLocks noGrp="1"/>
-          </p:cNvSpPr>
-          <p:nvPr>
-            <p:ph idx="1"/>
-          </p:nvPr>
-        </p:nvSpPr>
-        <p:spPr/>
-        <p:txBody>
-          <a:bodyPr>
-            <a:normAutofit lnSpcReduction="20000"/>
-          </a:bodyPr>
-          <a:p>
+            <a:endParaRPr lang="x-none" altLang="en-US"/>
+          </a:p>
+          <a:p>
+            <a:pPr lvl="1"/>
             <a:r>
               <a:rPr lang="x-none" altLang="en-US"/>
-              <a:t>蚁群优化（Ant Colony Optimization, ACO）思想</a:t>
+              <a:t>源自自然界中的蚁群觅食行为</a:t>
             </a:r>
             <a:endParaRPr lang="x-none" altLang="en-US"/>
           </a:p>
@@ -3376,7 +4458,7 @@
             <a:pPr lvl="1"/>
             <a:r>
               <a:rPr lang="x-none" altLang="en-US"/>
-              <a:t>自然界中的蚁群觅食行为</a:t>
+              <a:t>模拟基于信息素的信息交换与反馈机制</a:t>
             </a:r>
             <a:endParaRPr lang="x-none" altLang="en-US"/>
           </a:p>
@@ -3384,15 +4466,7 @@
             <a:pPr lvl="1"/>
             <a:r>
               <a:rPr lang="x-none" altLang="en-US"/>
-              <a:t>基于信息素的信息交换</a:t>
-            </a:r>
-            <a:endParaRPr lang="x-none" altLang="en-US"/>
-          </a:p>
-          <a:p>
-            <a:pPr lvl="1"/>
-            <a:r>
-              <a:rPr lang="x-none" altLang="en-US"/>
-              <a:t>呈现出并行与分布特性</a:t>
+              <a:t>算法呈现出并行与分布特性</a:t>
             </a:r>
             <a:endParaRPr lang="x-none" altLang="en-US"/>
           </a:p>
@@ -3403,14 +4477,89 @@
           <a:p>
             <a:pPr lvl="0"/>
             <a:r>
-              <a:rPr lang="x-none" altLang="en-US" sz="2800"/>
-              <a:t>TSP问题及基于蚁群优化的TSP问题求解示意图</a:t>
-            </a:r>
+              <a:rPr lang="x-none" altLang="en-US" sz="2800">
+                <a:sym typeface="+mn-ea"/>
+              </a:rPr>
+              <a:t>基于蚁群优化的自适应路由选择算法</a:t>
+            </a:r>
+            <a:endParaRPr lang="x-none" altLang="en-US" sz="2800">
+              <a:sym typeface="+mn-ea"/>
+            </a:endParaRPr>
+          </a:p>
+          <a:p>
+            <a:pPr lvl="1"/>
+            <a:r>
+              <a:rPr lang="x-none" altLang="en-US" sz="2400">
+                <a:sym typeface="+mn-ea"/>
+              </a:rPr>
+              <a:t>基本思想：结合了基于信息素的路由表设计以及基于缓冲水平的本地模型</a:t>
+            </a:r>
+            <a:endParaRPr lang="x-none" altLang="en-US" sz="2400">
+              <a:sym typeface="+mn-ea"/>
+            </a:endParaRPr>
+          </a:p>
+          <a:p>
+            <a:pPr lvl="1"/>
+            <a:r>
+              <a:rPr lang="x-none" altLang="en-US">
+                <a:sym typeface="+mn-ea"/>
+              </a:rPr>
+              <a:t>例：AntNet，...</a:t>
+            </a:r>
+            <a:endParaRPr lang="x-none" altLang="en-US">
+              <a:sym typeface="+mn-ea"/>
+            </a:endParaRPr>
+          </a:p>
+          <a:p>
+            <a:pPr lvl="0"/>
             <a:endParaRPr lang="x-none" altLang="en-US" sz="2400"/>
           </a:p>
           <a:p>
             <a:pPr lvl="1"/>
             <a:endParaRPr lang="x-none" altLang="en-US"/>
+          </a:p>
+        </p:txBody>
+      </p:sp>
+      <p:sp>
+        <p:nvSpPr>
+          <p:cNvPr id="4" name="Slide Number Placeholder 3"/>
+          <p:cNvSpPr>
+            <a:spLocks noGrp="1"/>
+          </p:cNvSpPr>
+          <p:nvPr>
+            <p:ph type="sldNum" sz="quarter" idx="12"/>
+          </p:nvPr>
+        </p:nvSpPr>
+        <p:spPr/>
+        <p:txBody>
+          <a:bodyPr/>
+          <a:p>
+            <a:fld id="{B3561BA9-CDCF-4958-B8AB-66F3BF063E13}" type="slidenum">
+              <a:rPr lang="en-US" smtClean="0"/>
+            </a:fld>
+            <a:endParaRPr lang="en-US"/>
+          </a:p>
+        </p:txBody>
+      </p:sp>
+      <p:sp>
+        <p:nvSpPr>
+          <p:cNvPr id="5" name="Footer Placeholder 4"/>
+          <p:cNvSpPr>
+            <a:spLocks noGrp="1"/>
+          </p:cNvSpPr>
+          <p:nvPr>
+            <p:ph type="ftr" sz="quarter" idx="11"/>
+          </p:nvPr>
+        </p:nvSpPr>
+        <p:spPr/>
+        <p:txBody>
+          <a:bodyPr/>
+          <a:p>
+            <a:r>
+              <a:rPr lang="en-US"/>
+              <a:t>基于FPGA的片上网络自适应路由算法的设计与实现 - 江岑倩</a:t>
+            </a:r>
+            <a:endParaRPr lang="en-US"/>
           </a:p>
         </p:txBody>
       </p:sp>
@@ -3444,13 +4593,15 @@
         </p:nvSpPr>
         <p:spPr/>
         <p:txBody>
-          <a:bodyPr/>
+          <a:bodyPr>
+            <a:normAutofit fontScale="90000"/>
+          </a:bodyPr>
           <a:p>
             <a:r>
               <a:rPr lang="x-none" altLang="en-US">
                 <a:sym typeface="+mn-ea"/>
               </a:rPr>
-              <a:t>基于蚁群优化的自适应路由选择算法</a:t>
+              <a:t>我的工作：基于蚁群优化的自适应路由选择算法的FPGA设计与实现</a:t>
             </a:r>
             <a:endParaRPr lang="en-US"/>
           </a:p>
@@ -3482,17 +4633,25 @@
             <a:pPr lvl="1"/>
             <a:r>
               <a:rPr lang="x-none" altLang="en-US" sz="2400"/>
-              <a:t>在自适应路由选择算法中，用信息素来表达网络状态的时间信息，使得路由选择策略能根据网络状态的历史信息和当前信息进行调整</a:t>
+              <a:t>用信息素来表达网络状态的历史信息</a:t>
             </a:r>
             <a:endParaRPr lang="x-none" altLang="en-US" sz="2400"/>
           </a:p>
           <a:p>
+            <a:pPr lvl="1"/>
+            <a:r>
+              <a:rPr lang="x-none" altLang="en-US" sz="2400"/>
+              <a:t>根据网络状态的历史信息和当前信息进行路由选择</a:t>
+            </a:r>
+            <a:endParaRPr lang="x-none" altLang="en-US" sz="2400"/>
+          </a:p>
+          <a:p>
             <a:endParaRPr lang="x-none" altLang="en-US" sz="2800"/>
           </a:p>
           <a:p>
             <a:r>
               <a:rPr lang="x-none" altLang="en-US" sz="2800"/>
-              <a:t>具体做法</a:t>
+              <a:t>具体实现</a:t>
             </a:r>
             <a:endParaRPr lang="x-none" altLang="en-US" sz="2800"/>
           </a:p>
@@ -3531,6 +4690,498 @@
           <a:p>
             <a:pPr lvl="1"/>
             <a:endParaRPr lang="x-none" altLang="en-US"/>
+          </a:p>
+        </p:txBody>
+      </p:sp>
+      <p:sp>
+        <p:nvSpPr>
+          <p:cNvPr id="4" name="Slide Number Placeholder 3"/>
+          <p:cNvSpPr>
+            <a:spLocks noGrp="1"/>
+          </p:cNvSpPr>
+          <p:nvPr>
+            <p:ph type="sldNum" sz="quarter" idx="12"/>
+          </p:nvPr>
+        </p:nvSpPr>
+        <p:spPr/>
+        <p:txBody>
+          <a:bodyPr/>
+          <a:p>
+            <a:fld id="{B3561BA9-CDCF-4958-B8AB-66F3BF063E13}" type="slidenum">
+              <a:rPr lang="en-US" smtClean="0"/>
+            </a:fld>
+            <a:endParaRPr lang="en-US"/>
+          </a:p>
+        </p:txBody>
+      </p:sp>
+      <p:sp>
+        <p:nvSpPr>
+          <p:cNvPr id="5" name="Footer Placeholder 4"/>
+          <p:cNvSpPr>
+            <a:spLocks noGrp="1"/>
+          </p:cNvSpPr>
+          <p:nvPr>
+            <p:ph type="ftr" sz="quarter" idx="11"/>
+          </p:nvPr>
+        </p:nvSpPr>
+        <p:spPr/>
+        <p:txBody>
+          <a:bodyPr/>
+          <a:p>
+            <a:r>
+              <a:rPr lang="en-US"/>
+              <a:t>基于FPGA的片上网络自适应路由算法的设计与实现 - 江岑倩</a:t>
+            </a:r>
+            <a:endParaRPr lang="en-US"/>
+          </a:p>
+        </p:txBody>
+      </p:sp>
+    </p:spTree>
+  </p:cSld>
+  <p:clrMapOvr>
+    <a:masterClrMapping/>
+  </p:clrMapOvr>
+</p:sld>
+</file>
+
+<file path=ppt/slides/slide7.xml><?xml version="1.0" encoding="utf-8"?>
+<p:sld xmlns:a="http://schemas.openxmlformats.org/drawingml/2006/main" xmlns:r="http://schemas.openxmlformats.org/officeDocument/2006/relationships" xmlns:p="http://schemas.openxmlformats.org/presentationml/2006/main">
+  <p:cSld>
+    <p:spTree>
+      <p:nvGrpSpPr>
+        <p:cNvPr id="1" name=""/>
+        <p:cNvGrpSpPr/>
+        <p:nvPr/>
+      </p:nvGrpSpPr>
+      <p:grpSpPr/>
+      <p:sp>
+        <p:nvSpPr>
+          <p:cNvPr id="2" name="Title 1"/>
+          <p:cNvSpPr>
+            <a:spLocks noGrp="1"/>
+          </p:cNvSpPr>
+          <p:nvPr>
+            <p:ph type="title"/>
+          </p:nvPr>
+        </p:nvSpPr>
+        <p:spPr/>
+        <p:txBody>
+          <a:bodyPr/>
+          <a:p>
+            <a:r>
+              <a:rPr lang="x-none" altLang="en-US"/>
+              <a:t>实验环境</a:t>
+            </a:r>
+            <a:endParaRPr lang="x-none" altLang="en-US"/>
+          </a:p>
+        </p:txBody>
+      </p:sp>
+      <p:sp>
+        <p:nvSpPr>
+          <p:cNvPr id="3" name="Content Placeholder 2"/>
+          <p:cNvSpPr>
+            <a:spLocks noGrp="1"/>
+          </p:cNvSpPr>
+          <p:nvPr>
+            <p:ph idx="1"/>
+          </p:nvPr>
+        </p:nvSpPr>
+        <p:spPr/>
+        <p:txBody>
+          <a:bodyPr>
+            <a:normAutofit lnSpcReduction="10000"/>
+          </a:bodyPr>
+          <a:p>
+            <a:r>
+              <a:rPr lang="x-none" altLang="en-US"/>
+              <a:t>开发环境：Altera Quartus Prime 15.1</a:t>
+            </a:r>
+            <a:endParaRPr lang="x-none" altLang="en-US"/>
+          </a:p>
+          <a:p>
+            <a:endParaRPr lang="x-none" altLang="en-US"/>
+          </a:p>
+          <a:p>
+            <a:r>
+              <a:rPr lang="x-none" altLang="en-US"/>
+              <a:t>开发流程：FPGA设计收入-&gt;仿真-&gt;输出实验结果-&gt;实验结果统计</a:t>
+            </a:r>
+            <a:endParaRPr lang="x-none" altLang="en-US"/>
+          </a:p>
+          <a:p>
+            <a:pPr lvl="1"/>
+            <a:r>
+              <a:rPr lang="x-none" altLang="en-US" sz="2400"/>
+              <a:t>采用Testbench对单个结点和整个网络进行测试</a:t>
+            </a:r>
+            <a:endParaRPr lang="x-none" altLang="en-US" sz="2400"/>
+          </a:p>
+          <a:p>
+            <a:pPr lvl="1"/>
+            <a:r>
+              <a:rPr lang="x-none" altLang="en-US" sz="2400"/>
+              <a:t>采用$display语句输出片上网络的性能指标</a:t>
+            </a:r>
+            <a:endParaRPr lang="x-none" altLang="en-US" sz="2400"/>
+          </a:p>
+          <a:p>
+            <a:endParaRPr lang="x-none" altLang="en-US"/>
+          </a:p>
+          <a:p>
+            <a:r>
+              <a:rPr lang="x-none" altLang="en-US"/>
+              <a:t>硬件描述语言：SystemVerilog</a:t>
+            </a:r>
+            <a:endParaRPr lang="x-none" altLang="en-US"/>
+          </a:p>
+          <a:p>
+            <a:pPr lvl="1"/>
+            <a:r>
+              <a:rPr lang="x-none" altLang="en-US"/>
+              <a:t>采用结构体（struct）定义消息包的结构</a:t>
+            </a:r>
+            <a:endParaRPr lang="x-none" altLang="en-US"/>
+          </a:p>
+          <a:p>
+            <a:pPr lvl="1"/>
+            <a:r>
+              <a:rPr lang="x-none" altLang="en-US"/>
+              <a:t>...</a:t>
+            </a:r>
+            <a:endParaRPr lang="x-none" altLang="en-US"/>
+          </a:p>
+        </p:txBody>
+      </p:sp>
+      <p:sp>
+        <p:nvSpPr>
+          <p:cNvPr id="4" name="Slide Number Placeholder 3"/>
+          <p:cNvSpPr>
+            <a:spLocks noGrp="1"/>
+          </p:cNvSpPr>
+          <p:nvPr>
+            <p:ph type="sldNum" sz="quarter" idx="12"/>
+          </p:nvPr>
+        </p:nvSpPr>
+        <p:spPr/>
+        <p:txBody>
+          <a:bodyPr/>
+          <a:p>
+            <a:fld id="{B3561BA9-CDCF-4958-B8AB-66F3BF063E13}" type="slidenum">
+              <a:rPr lang="en-US" smtClean="0"/>
+            </a:fld>
+            <a:endParaRPr lang="en-US"/>
+          </a:p>
+        </p:txBody>
+      </p:sp>
+      <p:sp>
+        <p:nvSpPr>
+          <p:cNvPr id="5" name="Footer Placeholder 4"/>
+          <p:cNvSpPr>
+            <a:spLocks noGrp="1"/>
+          </p:cNvSpPr>
+          <p:nvPr>
+            <p:ph type="ftr" sz="quarter" idx="11"/>
+          </p:nvPr>
+        </p:nvSpPr>
+        <p:spPr/>
+        <p:txBody>
+          <a:bodyPr/>
+          <a:p>
+            <a:r>
+              <a:rPr lang="en-US"/>
+              <a:t>基于FPGA的片上网络自适应路由算法的设计与实现 - 江岑倩</a:t>
+            </a:r>
+            <a:endParaRPr lang="en-US"/>
+          </a:p>
+        </p:txBody>
+      </p:sp>
+    </p:spTree>
+  </p:cSld>
+  <p:clrMapOvr>
+    <a:masterClrMapping/>
+  </p:clrMapOvr>
+</p:sld>
+</file>
+
+<file path=ppt/slides/slide8.xml><?xml version="1.0" encoding="utf-8"?>
+<p:sld xmlns:a="http://schemas.openxmlformats.org/drawingml/2006/main" xmlns:r="http://schemas.openxmlformats.org/officeDocument/2006/relationships" xmlns:p="http://schemas.openxmlformats.org/presentationml/2006/main">
+  <p:cSld>
+    <p:spTree>
+      <p:nvGrpSpPr>
+        <p:cNvPr id="1" name=""/>
+        <p:cNvGrpSpPr/>
+        <p:nvPr/>
+      </p:nvGrpSpPr>
+      <p:grpSpPr/>
+      <p:sp>
+        <p:nvSpPr>
+          <p:cNvPr id="2" name="Title 1"/>
+          <p:cNvSpPr>
+            <a:spLocks noGrp="1"/>
+          </p:cNvSpPr>
+          <p:nvPr>
+            <p:ph type="title"/>
+          </p:nvPr>
+        </p:nvSpPr>
+        <p:spPr/>
+        <p:txBody>
+          <a:bodyPr/>
+          <a:p>
+            <a:r>
+              <a:rPr lang="x-none" altLang="en-US"/>
+              <a:t>实验配置</a:t>
+            </a:r>
+            <a:endParaRPr lang="x-none" altLang="en-US"/>
+          </a:p>
+        </p:txBody>
+      </p:sp>
+      <p:sp>
+        <p:nvSpPr>
+          <p:cNvPr id="3" name="Content Placeholder 2"/>
+          <p:cNvSpPr>
+            <a:spLocks noGrp="1"/>
+          </p:cNvSpPr>
+          <p:nvPr>
+            <p:ph idx="1"/>
+          </p:nvPr>
+        </p:nvSpPr>
+        <p:spPr/>
+        <p:txBody>
+          <a:bodyPr>
+            <a:normAutofit fontScale="90000" lnSpcReduction="10000"/>
+          </a:bodyPr>
+          <a:p>
+            <a:r>
+              <a:rPr lang="x-none" altLang="en-US">
+                <a:sym typeface="+mn-ea"/>
+              </a:rPr>
+              <a:t>网格</a:t>
+            </a:r>
+            <a:r>
+              <a:rPr lang="x-none" altLang="en-US"/>
+              <a:t>（</a:t>
+            </a:r>
+            <a:r>
+              <a:rPr lang="x-none" altLang="en-US">
+                <a:sym typeface="+mn-ea"/>
+              </a:rPr>
+              <a:t>Mesh</a:t>
+            </a:r>
+            <a:r>
+              <a:rPr lang="x-none" altLang="en-US"/>
+              <a:t>）拓扑结构，4x4=16个结点；缓冲长度：4 packets</a:t>
+            </a:r>
+            <a:endParaRPr lang="x-none" altLang="en-US"/>
+          </a:p>
+          <a:p>
+            <a:pPr lvl="0"/>
+            <a:r>
+              <a:rPr lang="x-none" altLang="en-US"/>
+              <a:t>三种Synthetic Traffics：Uniform，Transpose和Hotspot</a:t>
+            </a:r>
+            <a:endParaRPr lang="x-none" altLang="en-US"/>
+          </a:p>
+          <a:p>
+            <a:pPr lvl="0"/>
+            <a:r>
+              <a:rPr lang="x-none" altLang="en-US"/>
+              <a:t>包注入率（Packet Injection Rate）：0.01～0.6 packets/node/cycle</a:t>
+            </a:r>
+            <a:endParaRPr lang="x-none" altLang="en-US"/>
+          </a:p>
+          <a:p>
+            <a:pPr lvl="0"/>
+            <a:r>
+              <a:rPr lang="x-none" altLang="en-US"/>
+              <a:t>Max cycles</a:t>
+            </a:r>
+            <a:endParaRPr lang="x-none" altLang="en-US"/>
+          </a:p>
+          <a:p>
+            <a:pPr lvl="1"/>
+            <a:r>
+              <a:rPr lang="x-none" altLang="en-US"/>
+              <a:t>Warmup: 1000, Measure: 10000, No Measure: 3000, Drain: 3000</a:t>
+            </a:r>
+            <a:endParaRPr lang="x-none" altLang="en-US"/>
+          </a:p>
+          <a:p>
+            <a:pPr lvl="0"/>
+            <a:r>
+              <a:rPr lang="x-none" altLang="en-US"/>
+              <a:t>ACO路由选择算法</a:t>
+            </a:r>
+            <a:endParaRPr lang="x-none" altLang="en-US"/>
+          </a:p>
+          <a:p>
+            <a:pPr lvl="1"/>
+            <a:r>
+              <a:rPr lang="x-none" altLang="en-US"/>
+              <a:t>路由选择因子alpha=0；激励因子rf=1</a:t>
+            </a:r>
+            <a:endParaRPr lang="x-none" altLang="en-US"/>
+          </a:p>
+        </p:txBody>
+      </p:sp>
+      <p:sp>
+        <p:nvSpPr>
+          <p:cNvPr id="4" name="Slide Number Placeholder 3"/>
+          <p:cNvSpPr>
+            <a:spLocks noGrp="1"/>
+          </p:cNvSpPr>
+          <p:nvPr>
+            <p:ph type="sldNum" sz="quarter" idx="12"/>
+          </p:nvPr>
+        </p:nvSpPr>
+        <p:spPr/>
+        <p:txBody>
+          <a:bodyPr/>
+          <a:p>
+            <a:fld id="{B3561BA9-CDCF-4958-B8AB-66F3BF063E13}" type="slidenum">
+              <a:rPr lang="en-US" smtClean="0"/>
+            </a:fld>
+            <a:endParaRPr lang="en-US"/>
+          </a:p>
+        </p:txBody>
+      </p:sp>
+      <p:sp>
+        <p:nvSpPr>
+          <p:cNvPr id="5" name="Footer Placeholder 4"/>
+          <p:cNvSpPr>
+            <a:spLocks noGrp="1"/>
+          </p:cNvSpPr>
+          <p:nvPr>
+            <p:ph type="ftr" sz="quarter" idx="11"/>
+          </p:nvPr>
+        </p:nvSpPr>
+        <p:spPr/>
+        <p:txBody>
+          <a:bodyPr/>
+          <a:p>
+            <a:r>
+              <a:rPr lang="en-US"/>
+              <a:t>基于FPGA的片上网络自适应路由算法的设计与实现 - 江岑倩</a:t>
+            </a:r>
+            <a:endParaRPr lang="en-US"/>
+          </a:p>
+        </p:txBody>
+      </p:sp>
+    </p:spTree>
+  </p:cSld>
+  <p:clrMapOvr>
+    <a:masterClrMapping/>
+  </p:clrMapOvr>
+</p:sld>
+</file>
+
+<file path=ppt/slides/slide9.xml><?xml version="1.0" encoding="utf-8"?>
+<p:sld xmlns:a="http://schemas.openxmlformats.org/drawingml/2006/main" xmlns:r="http://schemas.openxmlformats.org/officeDocument/2006/relationships" xmlns:p="http://schemas.openxmlformats.org/presentationml/2006/main">
+  <p:cSld>
+    <p:spTree>
+      <p:nvGrpSpPr>
+        <p:cNvPr id="1" name=""/>
+        <p:cNvGrpSpPr/>
+        <p:nvPr/>
+      </p:nvGrpSpPr>
+      <p:grpSpPr/>
+      <p:sp>
+        <p:nvSpPr>
+          <p:cNvPr id="2" name="Title 1"/>
+          <p:cNvSpPr>
+            <a:spLocks noGrp="1"/>
+          </p:cNvSpPr>
+          <p:nvPr>
+            <p:ph type="title"/>
+          </p:nvPr>
+        </p:nvSpPr>
+        <p:spPr/>
+        <p:txBody>
+          <a:bodyPr/>
+          <a:p>
+            <a:r>
+              <a:rPr lang="x-none" altLang="en-US">
+                <a:sym typeface="+mn-ea"/>
+              </a:rPr>
+              <a:t>主要性能指标</a:t>
+            </a:r>
+            <a:endParaRPr lang="x-none" altLang="en-US"/>
+          </a:p>
+        </p:txBody>
+      </p:sp>
+      <p:sp>
+        <p:nvSpPr>
+          <p:cNvPr id="3" name="Content Placeholder 2"/>
+          <p:cNvSpPr>
+            <a:spLocks noGrp="1"/>
+          </p:cNvSpPr>
+          <p:nvPr>
+            <p:ph idx="1"/>
+          </p:nvPr>
+        </p:nvSpPr>
+        <p:spPr/>
+        <p:txBody>
+          <a:bodyPr/>
+          <a:p>
+            <a:r>
+              <a:rPr lang="x-none" altLang="en-US"/>
+              <a:t>吞吐率（Throughput）= #Packets transmitted/node/cycle</a:t>
+            </a:r>
+            <a:endParaRPr lang="x-none" altLang="en-US"/>
+          </a:p>
+          <a:p>
+            <a:pPr lvl="0"/>
+            <a:endParaRPr lang="x-none" altLang="en-US"/>
+          </a:p>
+          <a:p>
+            <a:pPr lvl="0"/>
+            <a:r>
+              <a:rPr lang="x-none" altLang="en-US"/>
+              <a:t>平均包延迟（Average Packet Delay）</a:t>
+            </a:r>
+            <a:endParaRPr lang="x-none" altLang="en-US"/>
+          </a:p>
+        </p:txBody>
+      </p:sp>
+      <p:sp>
+        <p:nvSpPr>
+          <p:cNvPr id="4" name="Slide Number Placeholder 3"/>
+          <p:cNvSpPr>
+            <a:spLocks noGrp="1"/>
+          </p:cNvSpPr>
+          <p:nvPr>
+            <p:ph type="sldNum" sz="quarter" idx="12"/>
+          </p:nvPr>
+        </p:nvSpPr>
+        <p:spPr/>
+        <p:txBody>
+          <a:bodyPr/>
+          <a:p>
+            <a:fld id="{B3561BA9-CDCF-4958-B8AB-66F3BF063E13}" type="slidenum">
+              <a:rPr lang="en-US" smtClean="0"/>
+            </a:fld>
+            <a:endParaRPr lang="en-US"/>
+          </a:p>
+        </p:txBody>
+      </p:sp>
+      <p:sp>
+        <p:nvSpPr>
+          <p:cNvPr id="5" name="Footer Placeholder 4"/>
+          <p:cNvSpPr>
+            <a:spLocks noGrp="1"/>
+          </p:cNvSpPr>
+          <p:nvPr>
+            <p:ph type="ftr" sz="quarter" idx="11"/>
+          </p:nvPr>
+        </p:nvSpPr>
+        <p:spPr/>
+        <p:txBody>
+          <a:bodyPr/>
+          <a:p>
+            <a:r>
+              <a:rPr lang="en-US"/>
+              <a:t>基于FPGA的片上网络自适应路由算法的设计与实现 - 江岑倩</a:t>
+            </a:r>
+            <a:endParaRPr lang="en-US"/>
           </a:p>
         </p:txBody>
       </p:sp>
@@ -3801,4 +5452,265 @@
     </a:ext>
   </a:extLst>
 </a:theme>
+</file>
+
+<file path=ppt/theme/theme2.xml><?xml version="1.0" encoding="utf-8"?>
+<a:theme xmlns:a="http://schemas.openxmlformats.org/drawingml/2006/main" name="Office Theme">
+  <a:themeElements>
+    <a:clrScheme name="Office">
+      <a:dk1>
+        <a:sysClr val="windowText" lastClr="000000"/>
+      </a:dk1>
+      <a:lt1>
+        <a:sysClr val="window" lastClr="FFFFFF"/>
+      </a:lt1>
+      <a:dk2>
+        <a:srgbClr val="44546A"/>
+      </a:dk2>
+      <a:lt2>
+        <a:srgbClr val="E7E6E6"/>
+      </a:lt2>
+      <a:accent1>
+        <a:srgbClr val="5B9BD5"/>
+      </a:accent1>
+      <a:accent2>
+        <a:srgbClr val="ED7D31"/>
+      </a:accent2>
+      <a:accent3>
+        <a:srgbClr val="A5A5A5"/>
+      </a:accent3>
+      <a:accent4>
+        <a:srgbClr val="FFC000"/>
+      </a:accent4>
+      <a:accent5>
+        <a:srgbClr val="4472C4"/>
+      </a:accent5>
+      <a:accent6>
+        <a:srgbClr val="70AD47"/>
+      </a:accent6>
+      <a:hlink>
+        <a:srgbClr val="0563C1"/>
+      </a:hlink>
+      <a:folHlink>
+        <a:srgbClr val="954F72"/>
+      </a:folHlink>
+    </a:clrScheme>
+    <a:fontScheme name="Office">
+      <a:majorFont>
+        <a:latin typeface="Calibri Light"/>
+        <a:ea typeface=""/>
+        <a:cs typeface=""/>
+        <a:font script="Jpan" typeface="ＭＳ Ｐゴシック"/>
+        <a:font script="Hang" typeface="맑은 고딕"/>
+        <a:font script="Hans" typeface="宋体"/>
+        <a:font script="Hant" typeface="新細明體"/>
+        <a:font script="Arab" typeface="Times New Roman"/>
+        <a:font script="Hebr" typeface="Times New Roman"/>
+        <a:font script="Thai" typeface="Angsana New"/>
+        <a:font script="Ethi" typeface="Nyala"/>
+        <a:font script="Beng" typeface="Vrinda"/>
+        <a:font script="Gujr" typeface="Shruti"/>
+        <a:font script="Khmr" typeface="MoolBoran"/>
+        <a:font script="Knda" typeface="Tunga"/>
+        <a:font script="Guru" typeface="Raavi"/>
+        <a:font script="Cans" typeface="Euphemia"/>
+        <a:font script="Cher" typeface="Plantagenet Cherokee"/>
+        <a:font script="Yiii" typeface="Microsoft Yi Baiti"/>
+        <a:font script="Tibt" typeface="Microsoft Himalaya"/>
+        <a:font script="Thaa" typeface="MV Boli"/>
+        <a:font script="Deva" typeface="Mangal"/>
+        <a:font script="Telu" typeface="Gautami"/>
+        <a:font script="Taml" typeface="Latha"/>
+        <a:font script="Syrc" typeface="Estrangelo Edessa"/>
+        <a:font script="Orya" typeface="Kalinga"/>
+        <a:font script="Mlym" typeface="Kartika"/>
+        <a:font script="Laoo" typeface="DokChampa"/>
+        <a:font script="Sinh" typeface="Iskoola Pota"/>
+        <a:font script="Mong" typeface="Mongolian Baiti"/>
+        <a:font script="Viet" typeface="Times New Roman"/>
+        <a:font script="Uigh" typeface="Microsoft Uighur"/>
+        <a:font script="Geor" typeface="Sylfaen"/>
+      </a:majorFont>
+      <a:minorFont>
+        <a:latin typeface="Calibri"/>
+        <a:ea typeface=""/>
+        <a:cs typeface=""/>
+        <a:font script="Jpan" typeface="ＭＳ Ｐゴシック"/>
+        <a:font script="Hang" typeface="맑은 고딕"/>
+        <a:font script="Hans" typeface="宋体"/>
+        <a:font script="Hant" typeface="新細明體"/>
+        <a:font script="Arab" typeface="Arial"/>
+        <a:font script="Hebr" typeface="Arial"/>
+        <a:font script="Thai" typeface="Cordia New"/>
+        <a:font script="Ethi" typeface="Nyala"/>
+        <a:font script="Beng" typeface="Vrinda"/>
+        <a:font script="Gujr" typeface="Shruti"/>
+        <a:font script="Khmr" typeface="DaunPenh"/>
+        <a:font script="Knda" typeface="Tunga"/>
+        <a:font script="Guru" typeface="Raavi"/>
+        <a:font script="Cans" typeface="Euphemia"/>
+        <a:font script="Cher" typeface="Plantagenet Cherokee"/>
+        <a:font script="Yiii" typeface="Microsoft Yi Baiti"/>
+        <a:font script="Tibt" typeface="Microsoft Himalaya"/>
+        <a:font script="Thaa" typeface="MV Boli"/>
+        <a:font script="Deva" typeface="Mangal"/>
+        <a:font script="Telu" typeface="Gautami"/>
+        <a:font script="Taml" typeface="Latha"/>
+        <a:font script="Syrc" typeface="Estrangelo Edessa"/>
+        <a:font script="Orya" typeface="Kalinga"/>
+        <a:font script="Mlym" typeface="Kartika"/>
+        <a:font script="Laoo" typeface="DokChampa"/>
+        <a:font script="Sinh" typeface="Iskoola Pota"/>
+        <a:font script="Mong" typeface="Mongolian Baiti"/>
+        <a:font script="Viet" typeface="Arial"/>
+        <a:font script="Uigh" typeface="Microsoft Uighur"/>
+        <a:font script="Geor" typeface="Sylfaen"/>
+      </a:minorFont>
+    </a:fontScheme>
+    <a:fmtScheme name="Office">
+      <a:fillStyleLst>
+        <a:solidFill>
+          <a:schemeClr val="phClr"/>
+        </a:solidFill>
+        <a:gradFill rotWithShape="1">
+          <a:gsLst>
+            <a:gs pos="0">
+              <a:schemeClr val="phClr">
+                <a:lumMod val="110000"/>
+                <a:satMod val="105000"/>
+                <a:tint val="67000"/>
+              </a:schemeClr>
+            </a:gs>
+            <a:gs pos="50000">
+              <a:schemeClr val="phClr">
+                <a:lumMod val="105000"/>
+                <a:satMod val="103000"/>
+                <a:tint val="73000"/>
+              </a:schemeClr>
+            </a:gs>
+            <a:gs pos="100000">
+              <a:schemeClr val="phClr">
+                <a:lumMod val="105000"/>
+                <a:satMod val="109000"/>
+                <a:tint val="81000"/>
+              </a:schemeClr>
+            </a:gs>
+          </a:gsLst>
+          <a:lin ang="5400000" scaled="0"/>
+        </a:gradFill>
+        <a:gradFill rotWithShape="1">
+          <a:gsLst>
+            <a:gs pos="0">
+              <a:schemeClr val="phClr">
+                <a:satMod val="103000"/>
+                <a:lumMod val="102000"/>
+                <a:tint val="94000"/>
+              </a:schemeClr>
+            </a:gs>
+            <a:gs pos="50000">
+              <a:schemeClr val="phClr">
+                <a:satMod val="110000"/>
+                <a:lumMod val="100000"/>
+                <a:shade val="100000"/>
+              </a:schemeClr>
+            </a:gs>
+            <a:gs pos="100000">
+              <a:schemeClr val="phClr">
+                <a:lumMod val="99000"/>
+                <a:satMod val="120000"/>
+                <a:shade val="78000"/>
+              </a:schemeClr>
+            </a:gs>
+          </a:gsLst>
+          <a:lin ang="5400000" scaled="0"/>
+        </a:gradFill>
+      </a:fillStyleLst>
+      <a:lnStyleLst>
+        <a:ln w="6350" cap="flat" cmpd="sng" algn="ctr">
+          <a:solidFill>
+            <a:schemeClr val="phClr"/>
+          </a:solidFill>
+          <a:prstDash val="solid"/>
+          <a:miter lim="800000"/>
+        </a:ln>
+        <a:ln w="12700" cap="flat" cmpd="sng" algn="ctr">
+          <a:solidFill>
+            <a:schemeClr val="phClr"/>
+          </a:solidFill>
+          <a:prstDash val="solid"/>
+          <a:miter lim="800000"/>
+        </a:ln>
+        <a:ln w="19050" cap="flat" cmpd="sng" algn="ctr">
+          <a:solidFill>
+            <a:schemeClr val="phClr"/>
+          </a:solidFill>
+          <a:prstDash val="solid"/>
+          <a:miter lim="800000"/>
+        </a:ln>
+      </a:lnStyleLst>
+      <a:effectStyleLst>
+        <a:effectStyle>
+          <a:effectLst/>
+        </a:effectStyle>
+        <a:effectStyle>
+          <a:effectLst/>
+        </a:effectStyle>
+        <a:effectStyle>
+          <a:effectLst>
+            <a:outerShdw blurRad="57150" dist="19050" dir="5400000" algn="ctr" rotWithShape="0">
+              <a:srgbClr val="000000">
+                <a:alpha val="63000"/>
+              </a:srgbClr>
+            </a:outerShdw>
+          </a:effectLst>
+        </a:effectStyle>
+      </a:effectStyleLst>
+      <a:bgFillStyleLst>
+        <a:solidFill>
+          <a:schemeClr val="phClr"/>
+        </a:solidFill>
+        <a:solidFill>
+          <a:schemeClr val="phClr">
+            <a:tint val="95000"/>
+            <a:satMod val="170000"/>
+          </a:schemeClr>
+        </a:solidFill>
+        <a:gradFill rotWithShape="1">
+          <a:gsLst>
+            <a:gs pos="0">
+              <a:schemeClr val="phClr">
+                <a:tint val="93000"/>
+                <a:satMod val="150000"/>
+                <a:shade val="98000"/>
+                <a:lumMod val="102000"/>
+              </a:schemeClr>
+            </a:gs>
+            <a:gs pos="50000">
+              <a:schemeClr val="phClr">
+                <a:tint val="98000"/>
+                <a:satMod val="130000"/>
+                <a:shade val="90000"/>
+                <a:lumMod val="103000"/>
+              </a:schemeClr>
+            </a:gs>
+            <a:gs pos="100000">
+              <a:schemeClr val="phClr">
+                <a:shade val="63000"/>
+                <a:satMod val="120000"/>
+              </a:schemeClr>
+            </a:gs>
+          </a:gsLst>
+          <a:lin ang="5400000" scaled="0"/>
+        </a:gradFill>
+      </a:bgFillStyleLst>
+    </a:fmtScheme>
+  </a:themeElements>
+  <a:objectDefaults/>
+  <a:extraClrSchemeLst/>
+  <a:extLst>
+    <a:ext uri="{05A4C25C-085E-4340-85A3-A5531E510DB2}">
+      <thm15:themeFamily xmlns:thm15="http://schemas.microsoft.com/office/thememl/2012/main" name="Office Theme" id="{62F939B6-93AF-4DB8-9C6B-D6C7DFDC589F}" vid="{4A3C46E8-61CC-4603-A589-7422A47A8E4A}"/>
+    </a:ext>
+  </a:extLst>
+</a:theme>
 </file>
--- a/doc/答辩/基于FPGA的片上网络自适应路由算法的设计与实现.pptx
+++ b/doc/答辩/基于FPGA的片上网络自适应路由算法的设计与实现.pptx
@@ -5,7 +5,7 @@
     <p:sldMasterId id="2147483648" r:id="rId1"/>
   </p:sldMasterIdLst>
   <p:notesMasterIdLst>
-    <p:notesMasterId r:id="rId16"/>
+    <p:notesMasterId r:id="rId17"/>
   </p:notesMasterIdLst>
   <p:sldIdLst>
     <p:sldId id="256" r:id="rId3"/>
@@ -13,14 +13,15 @@
     <p:sldId id="258" r:id="rId5"/>
     <p:sldId id="259" r:id="rId6"/>
     <p:sldId id="260" r:id="rId7"/>
-    <p:sldId id="261" r:id="rId8"/>
-    <p:sldId id="262" r:id="rId9"/>
-    <p:sldId id="265" r:id="rId10"/>
-    <p:sldId id="263" r:id="rId11"/>
-    <p:sldId id="264" r:id="rId12"/>
-    <p:sldId id="266" r:id="rId13"/>
-    <p:sldId id="267" r:id="rId14"/>
-    <p:sldId id="268" r:id="rId15"/>
+    <p:sldId id="271" r:id="rId8"/>
+    <p:sldId id="261" r:id="rId9"/>
+    <p:sldId id="262" r:id="rId10"/>
+    <p:sldId id="265" r:id="rId11"/>
+    <p:sldId id="263" r:id="rId12"/>
+    <p:sldId id="264" r:id="rId13"/>
+    <p:sldId id="266" r:id="rId14"/>
+    <p:sldId id="267" r:id="rId15"/>
+    <p:sldId id="268" r:id="rId16"/>
   </p:sldIdLst>
   <p:sldSz cx="9144000" cy="6858000" type="screen4x3"/>
   <p:notesSz cx="6858000" cy="9144000"/>
@@ -3422,14 +3423,10 @@
           <a:bodyPr/>
           <a:p>
             <a:r>
-              <a:rPr lang="x-none" altLang="en-US"/>
-              <a:t>实验结果分析：</a:t>
-            </a:r>
-            <a:r>
               <a:rPr lang="x-none" altLang="en-US">
                 <a:sym typeface="+mn-ea"/>
               </a:rPr>
-              <a:t>吞吐率</a:t>
+              <a:t>主要性能指标</a:t>
             </a:r>
             <a:endParaRPr lang="x-none" altLang="en-US"/>
           </a:p>
@@ -3451,17 +3448,19 @@
           <a:p>
             <a:r>
               <a:rPr lang="x-none" altLang="en-US"/>
-              <a:t>图表：三张子图</a:t>
-            </a:r>
-            <a:endParaRPr lang="x-none" altLang="en-US"/>
-          </a:p>
-          <a:p>
-            <a:endParaRPr lang="x-none" altLang="en-US"/>
-          </a:p>
-          <a:p>
+              <a:t>吞吐率（Throughput）= #Packets transmitted/node/cycle</a:t>
+            </a:r>
+            <a:endParaRPr lang="x-none" altLang="en-US"/>
+          </a:p>
+          <a:p>
+            <a:pPr lvl="0"/>
+            <a:endParaRPr lang="x-none" altLang="en-US"/>
+          </a:p>
+          <a:p>
+            <a:pPr lvl="0"/>
             <a:r>
               <a:rPr lang="x-none" altLang="en-US"/>
-              <a:t>结论</a:t>
+              <a:t>平均包延迟（Average Packet Delay）</a:t>
             </a:r>
             <a:endParaRPr lang="x-none" altLang="en-US"/>
           </a:p>
@@ -3544,30 +3543,34 @@
           <a:p>
             <a:r>
               <a:rPr lang="x-none" altLang="en-US"/>
-              <a:t>实验结果分析：平均包时延</a:t>
-            </a:r>
-            <a:endParaRPr lang="x-none" altLang="en-US"/>
-          </a:p>
-        </p:txBody>
-      </p:sp>
-      <p:sp>
-        <p:nvSpPr>
-          <p:cNvPr id="3" name="Content Placeholder 2"/>
-          <p:cNvSpPr>
-            <a:spLocks noGrp="1"/>
-          </p:cNvSpPr>
-          <p:nvPr>
-            <p:ph idx="1"/>
-          </p:nvPr>
-        </p:nvSpPr>
-        <p:spPr/>
-        <p:txBody>
-          <a:bodyPr/>
-          <a:p>
+              <a:t>实验结果分析：</a:t>
+            </a:r>
             <a:r>
               <a:rPr lang="x-none" altLang="en-US">
                 <a:sym typeface="+mn-ea"/>
               </a:rPr>
+              <a:t>吞吐率</a:t>
+            </a:r>
+            <a:endParaRPr lang="x-none" altLang="en-US"/>
+          </a:p>
+        </p:txBody>
+      </p:sp>
+      <p:sp>
+        <p:nvSpPr>
+          <p:cNvPr id="3" name="Content Placeholder 2"/>
+          <p:cNvSpPr>
+            <a:spLocks noGrp="1"/>
+          </p:cNvSpPr>
+          <p:nvPr>
+            <p:ph idx="1"/>
+          </p:nvPr>
+        </p:nvSpPr>
+        <p:spPr/>
+        <p:txBody>
+          <a:bodyPr/>
+          <a:p>
+            <a:r>
+              <a:rPr lang="x-none" altLang="en-US"/>
               <a:t>图表：三张子图</a:t>
             </a:r>
             <a:endParaRPr lang="x-none" altLang="en-US"/>
@@ -3577,9 +3580,7 @@
           </a:p>
           <a:p>
             <a:r>
-              <a:rPr lang="x-none" altLang="en-US">
-                <a:sym typeface="+mn-ea"/>
-              </a:rPr>
+              <a:rPr lang="x-none" altLang="en-US"/>
               <a:t>结论</a:t>
             </a:r>
             <a:endParaRPr lang="x-none" altLang="en-US"/>
@@ -3663,7 +3664,7 @@
           <a:p>
             <a:r>
               <a:rPr lang="x-none" altLang="en-US"/>
-              <a:t>结束语</a:t>
+              <a:t>实验结果分析：平均包时延</a:t>
             </a:r>
             <a:endParaRPr lang="x-none" altLang="en-US"/>
           </a:p>
@@ -3681,99 +3682,27 @@
         </p:nvSpPr>
         <p:spPr/>
         <p:txBody>
-          <a:bodyPr>
-            <a:normAutofit/>
-          </a:bodyPr>
-          <a:p>
-            <a:r>
-              <a:rPr lang="x-none" altLang="en-US"/>
-              <a:t>工作总结</a:t>
-            </a:r>
-            <a:endParaRPr lang="x-none" altLang="en-US"/>
-          </a:p>
-          <a:p>
-            <a:pPr lvl="1"/>
-            <a:r>
-              <a:rPr lang="x-none" altLang="en-US" sz="2400"/>
-              <a:t>前期工作</a:t>
-            </a:r>
-            <a:endParaRPr lang="x-none" altLang="en-US" sz="2400"/>
-          </a:p>
-          <a:p>
-            <a:pPr lvl="2"/>
-            <a:r>
-              <a:rPr lang="x-none" altLang="en-US" sz="2000"/>
-              <a:t>NoC、ACO和FPGA文献阅读</a:t>
-            </a:r>
-            <a:endParaRPr lang="x-none" altLang="en-US" sz="2000"/>
-          </a:p>
-          <a:p>
-            <a:pPr lvl="2"/>
-            <a:r>
-              <a:rPr lang="x-none" altLang="en-US" sz="2000"/>
-              <a:t>基于MOJO开发板的FPGA编程练习</a:t>
-            </a:r>
-            <a:endParaRPr lang="x-none" altLang="en-US" sz="2000"/>
-          </a:p>
-          <a:p>
-            <a:pPr lvl="1"/>
-            <a:r>
-              <a:rPr lang="x-none" altLang="en-US" sz="2400"/>
-              <a:t>核心工作</a:t>
-            </a:r>
-            <a:endParaRPr lang="x-none" altLang="en-US" sz="2400"/>
-          </a:p>
-          <a:p>
-            <a:pPr lvl="2"/>
-            <a:r>
-              <a:rPr lang="x-none" altLang="en-US" sz="2000"/>
-              <a:t>Odd Even路由算法的FPGA设计、实现与仿真</a:t>
-            </a:r>
-            <a:endParaRPr lang="x-none" altLang="en-US" sz="2000"/>
-          </a:p>
-          <a:p>
-            <a:pPr lvl="2"/>
-            <a:r>
-              <a:rPr lang="x-none" altLang="en-US" sz="2000"/>
-              <a:t>ACO选择算法的FPGA设计与实现与仿真</a:t>
-            </a:r>
-            <a:endParaRPr lang="x-none" altLang="en-US" sz="2000"/>
-          </a:p>
-          <a:p>
-            <a:endParaRPr lang="x-none" altLang="en-US"/>
-          </a:p>
-          <a:p>
-            <a:r>
-              <a:rPr lang="x-none" altLang="en-US"/>
-              <a:t>不足与可改进</a:t>
-            </a:r>
+          <a:bodyPr/>
+          <a:p>
             <a:r>
               <a:rPr lang="x-none" altLang="en-US">
                 <a:sym typeface="+mn-ea"/>
               </a:rPr>
-              <a:t>之处</a:t>
-            </a:r>
-            <a:endParaRPr lang="x-none" altLang="en-US">
-              <a:sym typeface="+mn-ea"/>
-            </a:endParaRPr>
-          </a:p>
-          <a:p>
-            <a:pPr lvl="1"/>
-            <a:r>
-              <a:rPr lang="x-none" altLang="en-US" sz="2055"/>
-              <a:t>扩大结点数</a:t>
-            </a:r>
-            <a:r>
-              <a:rPr lang="x-none" altLang="en-US" sz="2055">
+              <a:t>图表：三张子图</a:t>
+            </a:r>
+            <a:endParaRPr lang="x-none" altLang="en-US"/>
+          </a:p>
+          <a:p>
+            <a:endParaRPr lang="x-none" altLang="en-US"/>
+          </a:p>
+          <a:p>
+            <a:r>
+              <a:rPr lang="x-none" altLang="en-US">
                 <a:sym typeface="+mn-ea"/>
               </a:rPr>
-              <a:t>、完善路由器架构</a:t>
-            </a:r>
-            <a:r>
-              <a:rPr lang="x-none" altLang="en-US" sz="2055"/>
-              <a:t>、优化ACO选择算法</a:t>
-            </a:r>
-            <a:endParaRPr lang="x-none" altLang="en-US" sz="2055"/>
+              <a:t>结论</a:t>
+            </a:r>
+            <a:endParaRPr lang="x-none" altLang="en-US"/>
           </a:p>
         </p:txBody>
       </p:sp>
@@ -3854,6 +3783,197 @@
           <a:p>
             <a:r>
               <a:rPr lang="x-none" altLang="en-US"/>
+              <a:t>结束语</a:t>
+            </a:r>
+            <a:endParaRPr lang="x-none" altLang="en-US"/>
+          </a:p>
+        </p:txBody>
+      </p:sp>
+      <p:sp>
+        <p:nvSpPr>
+          <p:cNvPr id="3" name="Content Placeholder 2"/>
+          <p:cNvSpPr>
+            <a:spLocks noGrp="1"/>
+          </p:cNvSpPr>
+          <p:nvPr>
+            <p:ph idx="1"/>
+          </p:nvPr>
+        </p:nvSpPr>
+        <p:spPr/>
+        <p:txBody>
+          <a:bodyPr>
+            <a:normAutofit/>
+          </a:bodyPr>
+          <a:p>
+            <a:r>
+              <a:rPr lang="x-none" altLang="en-US"/>
+              <a:t>工作总结</a:t>
+            </a:r>
+            <a:endParaRPr lang="x-none" altLang="en-US"/>
+          </a:p>
+          <a:p>
+            <a:pPr lvl="1"/>
+            <a:r>
+              <a:rPr lang="x-none" altLang="en-US" sz="2400"/>
+              <a:t>前期工作</a:t>
+            </a:r>
+            <a:endParaRPr lang="x-none" altLang="en-US" sz="2400"/>
+          </a:p>
+          <a:p>
+            <a:pPr lvl="2"/>
+            <a:r>
+              <a:rPr lang="x-none" altLang="en-US" sz="2000"/>
+              <a:t>NoC、ACO和FPGA文献阅读</a:t>
+            </a:r>
+            <a:endParaRPr lang="x-none" altLang="en-US" sz="2000"/>
+          </a:p>
+          <a:p>
+            <a:pPr lvl="2"/>
+            <a:r>
+              <a:rPr lang="x-none" altLang="en-US" sz="2000"/>
+              <a:t>基于MOJO开发板的FPGA编程练习</a:t>
+            </a:r>
+            <a:endParaRPr lang="x-none" altLang="en-US" sz="2000"/>
+          </a:p>
+          <a:p>
+            <a:pPr lvl="1"/>
+            <a:r>
+              <a:rPr lang="x-none" altLang="en-US" sz="2400"/>
+              <a:t>核心工作</a:t>
+            </a:r>
+            <a:endParaRPr lang="x-none" altLang="en-US" sz="2400"/>
+          </a:p>
+          <a:p>
+            <a:pPr lvl="2"/>
+            <a:r>
+              <a:rPr lang="x-none" altLang="en-US" sz="2000"/>
+              <a:t>Odd Even路由算法的FPGA设计、实现与仿真</a:t>
+            </a:r>
+            <a:endParaRPr lang="x-none" altLang="en-US" sz="2000"/>
+          </a:p>
+          <a:p>
+            <a:pPr lvl="2"/>
+            <a:r>
+              <a:rPr lang="x-none" altLang="en-US" sz="2000"/>
+              <a:t>ACO选择算法的FPGA设计与实现与仿真</a:t>
+            </a:r>
+            <a:endParaRPr lang="x-none" altLang="en-US" sz="2000"/>
+          </a:p>
+          <a:p>
+            <a:endParaRPr lang="x-none" altLang="en-US"/>
+          </a:p>
+          <a:p>
+            <a:r>
+              <a:rPr lang="x-none" altLang="en-US"/>
+              <a:t>不足与可改进</a:t>
+            </a:r>
+            <a:r>
+              <a:rPr lang="x-none" altLang="en-US">
+                <a:sym typeface="+mn-ea"/>
+              </a:rPr>
+              <a:t>之处</a:t>
+            </a:r>
+            <a:endParaRPr lang="x-none" altLang="en-US">
+              <a:sym typeface="+mn-ea"/>
+            </a:endParaRPr>
+          </a:p>
+          <a:p>
+            <a:pPr lvl="1"/>
+            <a:r>
+              <a:rPr lang="x-none" altLang="en-US" sz="2055"/>
+              <a:t>扩大结点数</a:t>
+            </a:r>
+            <a:r>
+              <a:rPr lang="x-none" altLang="en-US" sz="2055">
+                <a:sym typeface="+mn-ea"/>
+              </a:rPr>
+              <a:t>、完善路由器架构</a:t>
+            </a:r>
+            <a:r>
+              <a:rPr lang="x-none" altLang="en-US" sz="2055"/>
+              <a:t>、优化ACO选择算法</a:t>
+            </a:r>
+            <a:endParaRPr lang="x-none" altLang="en-US" sz="2055"/>
+          </a:p>
+        </p:txBody>
+      </p:sp>
+      <p:sp>
+        <p:nvSpPr>
+          <p:cNvPr id="4" name="Slide Number Placeholder 3"/>
+          <p:cNvSpPr>
+            <a:spLocks noGrp="1"/>
+          </p:cNvSpPr>
+          <p:nvPr>
+            <p:ph type="sldNum" sz="quarter" idx="12"/>
+          </p:nvPr>
+        </p:nvSpPr>
+        <p:spPr/>
+        <p:txBody>
+          <a:bodyPr/>
+          <a:p>
+            <a:fld id="{B3561BA9-CDCF-4958-B8AB-66F3BF063E13}" type="slidenum">
+              <a:rPr lang="en-US" smtClean="0"/>
+            </a:fld>
+            <a:endParaRPr lang="en-US"/>
+          </a:p>
+        </p:txBody>
+      </p:sp>
+      <p:sp>
+        <p:nvSpPr>
+          <p:cNvPr id="5" name="Footer Placeholder 4"/>
+          <p:cNvSpPr>
+            <a:spLocks noGrp="1"/>
+          </p:cNvSpPr>
+          <p:nvPr>
+            <p:ph type="ftr" sz="quarter" idx="11"/>
+          </p:nvPr>
+        </p:nvSpPr>
+        <p:spPr/>
+        <p:txBody>
+          <a:bodyPr/>
+          <a:p>
+            <a:r>
+              <a:rPr lang="en-US"/>
+              <a:t>基于FPGA的片上网络自适应路由算法的设计与实现 - 江岑倩</a:t>
+            </a:r>
+            <a:endParaRPr lang="en-US"/>
+          </a:p>
+        </p:txBody>
+      </p:sp>
+    </p:spTree>
+  </p:cSld>
+  <p:clrMapOvr>
+    <a:masterClrMapping/>
+  </p:clrMapOvr>
+</p:sld>
+</file>
+
+<file path=ppt/slides/slide14.xml><?xml version="1.0" encoding="utf-8"?>
+<p:sld xmlns:a="http://schemas.openxmlformats.org/drawingml/2006/main" xmlns:r="http://schemas.openxmlformats.org/officeDocument/2006/relationships" xmlns:p="http://schemas.openxmlformats.org/presentationml/2006/main">
+  <p:cSld>
+    <p:spTree>
+      <p:nvGrpSpPr>
+        <p:cNvPr id="1" name=""/>
+        <p:cNvGrpSpPr/>
+        <p:nvPr/>
+      </p:nvGrpSpPr>
+      <p:grpSpPr/>
+      <p:sp>
+        <p:nvSpPr>
+          <p:cNvPr id="2" name="Title 1"/>
+          <p:cNvSpPr>
+            <a:spLocks noGrp="1"/>
+          </p:cNvSpPr>
+          <p:nvPr>
+            <p:ph type="title"/>
+          </p:nvPr>
+        </p:nvSpPr>
+        <p:spPr/>
+        <p:txBody>
+          <a:bodyPr/>
+          <a:p>
+            <a:r>
+              <a:rPr lang="x-none" altLang="en-US"/>
               <a:t>谢谢！</a:t>
             </a:r>
             <a:endParaRPr lang="x-none" altLang="en-US"/>
@@ -4468,50 +4588,6 @@
               <a:rPr lang="x-none" altLang="en-US"/>
               <a:t>算法呈现出并行与分布特性</a:t>
             </a:r>
-            <a:endParaRPr lang="x-none" altLang="en-US"/>
-          </a:p>
-          <a:p>
-            <a:pPr lvl="0"/>
-            <a:endParaRPr lang="x-none" altLang="en-US" sz="2800"/>
-          </a:p>
-          <a:p>
-            <a:pPr lvl="0"/>
-            <a:r>
-              <a:rPr lang="x-none" altLang="en-US" sz="2800">
-                <a:sym typeface="+mn-ea"/>
-              </a:rPr>
-              <a:t>基于蚁群优化的自适应路由选择算法</a:t>
-            </a:r>
-            <a:endParaRPr lang="x-none" altLang="en-US" sz="2800">
-              <a:sym typeface="+mn-ea"/>
-            </a:endParaRPr>
-          </a:p>
-          <a:p>
-            <a:pPr lvl="1"/>
-            <a:r>
-              <a:rPr lang="x-none" altLang="en-US" sz="2400">
-                <a:sym typeface="+mn-ea"/>
-              </a:rPr>
-              <a:t>基本思想：结合了基于信息素的路由表设计以及基于缓冲水平的本地模型</a:t>
-            </a:r>
-            <a:endParaRPr lang="x-none" altLang="en-US" sz="2400">
-              <a:sym typeface="+mn-ea"/>
-            </a:endParaRPr>
-          </a:p>
-          <a:p>
-            <a:pPr lvl="1"/>
-            <a:r>
-              <a:rPr lang="x-none" altLang="en-US">
-                <a:sym typeface="+mn-ea"/>
-              </a:rPr>
-              <a:t>例：AntNet，...</a:t>
-            </a:r>
-            <a:endParaRPr lang="x-none" altLang="en-US">
-              <a:sym typeface="+mn-ea"/>
-            </a:endParaRPr>
-          </a:p>
-          <a:p>
-            <a:pPr lvl="0"/>
             <a:endParaRPr lang="x-none" altLang="en-US" sz="2400"/>
           </a:p>
           <a:p>
@@ -4593,15 +4669,13 @@
         </p:nvSpPr>
         <p:spPr/>
         <p:txBody>
-          <a:bodyPr>
-            <a:normAutofit fontScale="90000"/>
-          </a:bodyPr>
+          <a:bodyPr/>
           <a:p>
             <a:r>
               <a:rPr lang="x-none" altLang="en-US">
                 <a:sym typeface="+mn-ea"/>
               </a:rPr>
-              <a:t>我的工作：基于蚁群优化的自适应路由选择算法的FPGA设计与实现</a:t>
+              <a:t>相关工作：蚁群优化（续）</a:t>
             </a:r>
             <a:endParaRPr lang="en-US"/>
           </a:p>
@@ -4620,71 +4694,45 @@
         <p:spPr/>
         <p:txBody>
           <a:bodyPr>
-            <a:normAutofit lnSpcReduction="20000"/>
+            <a:normAutofit/>
           </a:bodyPr>
           <a:p>
             <a:r>
-              <a:rPr lang="x-none" altLang="en-US" sz="2800"/>
-              <a:t>基本思想</a:t>
-            </a:r>
-            <a:endParaRPr lang="x-none" altLang="en-US" sz="2800"/>
+              <a:rPr lang="x-none" altLang="en-US" sz="2800">
+                <a:sym typeface="+mn-ea"/>
+              </a:rPr>
+              <a:t>基于蚁群优化的自适应路由选择算法</a:t>
+            </a:r>
+            <a:endParaRPr lang="x-none" altLang="en-US" sz="2800">
+              <a:sym typeface="+mn-ea"/>
+            </a:endParaRPr>
           </a:p>
           <a:p>
             <a:pPr lvl="1"/>
             <a:r>
-              <a:rPr lang="x-none" altLang="en-US" sz="2400"/>
-              <a:t>用信息素来表达网络状态的历史信息</a:t>
-            </a:r>
-            <a:endParaRPr lang="x-none" altLang="en-US" sz="2400"/>
+              <a:rPr lang="x-none" altLang="en-US" sz="2400">
+                <a:sym typeface="+mn-ea"/>
+              </a:rPr>
+              <a:t>基本思想：结合了基于信息素的路由表设计以及基于缓冲水平的本地模型</a:t>
+            </a:r>
+            <a:endParaRPr lang="x-none" altLang="en-US" sz="2400">
+              <a:sym typeface="+mn-ea"/>
+            </a:endParaRPr>
           </a:p>
           <a:p>
             <a:pPr lvl="1"/>
             <a:r>
-              <a:rPr lang="x-none" altLang="en-US" sz="2400"/>
-              <a:t>根据网络状态的历史信息和当前信息进行路由选择</a:t>
-            </a:r>
-            <a:endParaRPr lang="x-none" altLang="en-US" sz="2400"/>
-          </a:p>
-          <a:p>
-            <a:endParaRPr lang="x-none" altLang="en-US" sz="2800"/>
-          </a:p>
-          <a:p>
-            <a:r>
-              <a:rPr lang="x-none" altLang="en-US" sz="2800"/>
-              <a:t>具体实现</a:t>
-            </a:r>
-            <a:endParaRPr lang="x-none" altLang="en-US" sz="2800"/>
-          </a:p>
-          <a:p>
-            <a:pPr lvl="1"/>
-            <a:r>
-              <a:rPr lang="x-none" altLang="en-US" sz="2400"/>
-              <a:t>新增两种消息包：正向蚂蚁包和逆向蚂蚁包</a:t>
-            </a:r>
-            <a:endParaRPr lang="x-none" altLang="en-US" sz="2400"/>
-          </a:p>
-          <a:p>
-            <a:pPr lvl="1"/>
-            <a:r>
-              <a:rPr lang="x-none" altLang="en-US" sz="2400"/>
-              <a:t>采用了基于信息素的路由表结构</a:t>
-            </a:r>
-            <a:endParaRPr lang="x-none" altLang="en-US" sz="2400"/>
-          </a:p>
-          <a:p>
-            <a:pPr lvl="1"/>
-            <a:r>
-              <a:rPr lang="x-none" altLang="en-US" sz="2400"/>
-              <a:t>采用了结合了信息素浓度和邻居结点缓冲水平的路由选择机制</a:t>
-            </a:r>
-            <a:endParaRPr lang="x-none" altLang="en-US" sz="2400"/>
-          </a:p>
-          <a:p>
-            <a:pPr lvl="1"/>
-            <a:r>
-              <a:rPr lang="x-none" altLang="en-US" sz="2400"/>
-              <a:t>正向蚂蚁包和数据包采用路由表进行路由，正向蚂蚁包到达目的结点后转换为逆向蚂蚁包，并在原路返回的过程中更新所经结点路由表中的信息素浓度</a:t>
-            </a:r>
+              <a:rPr lang="x-none" altLang="en-US">
+                <a:sym typeface="+mn-ea"/>
+              </a:rPr>
+              <a:t>例：AntNet，...</a:t>
+            </a:r>
+            <a:endParaRPr lang="x-none" altLang="en-US">
+              <a:sym typeface="+mn-ea"/>
+            </a:endParaRPr>
+          </a:p>
+          <a:p>
+            <a:pPr lvl="0"/>
             <a:endParaRPr lang="x-none" altLang="en-US" sz="2400"/>
           </a:p>
           <a:p>
@@ -4766,13 +4814,17 @@
         </p:nvSpPr>
         <p:spPr/>
         <p:txBody>
-          <a:bodyPr/>
-          <a:p>
-            <a:r>
-              <a:rPr lang="x-none" altLang="en-US"/>
-              <a:t>实验环境</a:t>
-            </a:r>
-            <a:endParaRPr lang="x-none" altLang="en-US"/>
+          <a:bodyPr>
+            <a:normAutofit fontScale="90000"/>
+          </a:bodyPr>
+          <a:p>
+            <a:r>
+              <a:rPr lang="x-none" altLang="en-US">
+                <a:sym typeface="+mn-ea"/>
+              </a:rPr>
+              <a:t>我的工作：基于蚁群优化的自适应路由选择算法的FPGA设计与实现</a:t>
+            </a:r>
+            <a:endParaRPr lang="en-US"/>
           </a:p>
         </p:txBody>
       </p:sp>
@@ -4789,30 +4841,20 @@
         <p:spPr/>
         <p:txBody>
           <a:bodyPr>
-            <a:normAutofit lnSpcReduction="10000"/>
+            <a:normAutofit lnSpcReduction="20000"/>
           </a:bodyPr>
           <a:p>
             <a:r>
-              <a:rPr lang="x-none" altLang="en-US"/>
-              <a:t>开发环境：Altera Quartus Prime 15.1</a:t>
-            </a:r>
-            <a:endParaRPr lang="x-none" altLang="en-US"/>
-          </a:p>
-          <a:p>
-            <a:endParaRPr lang="x-none" altLang="en-US"/>
-          </a:p>
-          <a:p>
-            <a:r>
-              <a:rPr lang="x-none" altLang="en-US"/>
-              <a:t>开发流程：FPGA设计收入-&gt;仿真-&gt;输出实验结果-&gt;实验结果统计</a:t>
-            </a:r>
-            <a:endParaRPr lang="x-none" altLang="en-US"/>
+              <a:rPr lang="x-none" altLang="en-US" sz="2800"/>
+              <a:t>基本思想</a:t>
+            </a:r>
+            <a:endParaRPr lang="x-none" altLang="en-US" sz="2800"/>
           </a:p>
           <a:p>
             <a:pPr lvl="1"/>
             <a:r>
               <a:rPr lang="x-none" altLang="en-US" sz="2400"/>
-              <a:t>采用Testbench对单个结点和整个网络进行测试</a:t>
+              <a:t>用信息素来表达网络状态的历史信息</a:t>
             </a:r>
             <a:endParaRPr lang="x-none" altLang="en-US" sz="2400"/>
           </a:p>
@@ -4820,34 +4862,54 @@
             <a:pPr lvl="1"/>
             <a:r>
               <a:rPr lang="x-none" altLang="en-US" sz="2400"/>
-              <a:t>采用$display语句输出片上网络的性能指标</a:t>
+              <a:t>根据网络状态的历史信息和当前信息进行路由选择</a:t>
             </a:r>
             <a:endParaRPr lang="x-none" altLang="en-US" sz="2400"/>
           </a:p>
           <a:p>
-            <a:endParaRPr lang="x-none" altLang="en-US"/>
-          </a:p>
-          <a:p>
-            <a:r>
-              <a:rPr lang="x-none" altLang="en-US"/>
-              <a:t>硬件描述语言：SystemVerilog</a:t>
-            </a:r>
-            <a:endParaRPr lang="x-none" altLang="en-US"/>
+            <a:endParaRPr lang="x-none" altLang="en-US" sz="2800"/>
+          </a:p>
+          <a:p>
+            <a:r>
+              <a:rPr lang="x-none" altLang="en-US" sz="2800"/>
+              <a:t>具体实现</a:t>
+            </a:r>
+            <a:endParaRPr lang="x-none" altLang="en-US" sz="2800"/>
           </a:p>
           <a:p>
             <a:pPr lvl="1"/>
             <a:r>
-              <a:rPr lang="x-none" altLang="en-US"/>
-              <a:t>采用结构体（struct）定义消息包的结构</a:t>
-            </a:r>
-            <a:endParaRPr lang="x-none" altLang="en-US"/>
+              <a:rPr lang="x-none" altLang="en-US" sz="2400"/>
+              <a:t>新增两种消息包：正向蚂蚁包和逆向蚂蚁包</a:t>
+            </a:r>
+            <a:endParaRPr lang="x-none" altLang="en-US" sz="2400"/>
           </a:p>
           <a:p>
             <a:pPr lvl="1"/>
             <a:r>
-              <a:rPr lang="x-none" altLang="en-US"/>
-              <a:t>...</a:t>
-            </a:r>
+              <a:rPr lang="x-none" altLang="en-US" sz="2400"/>
+              <a:t>采用了基于信息素的路由表结构</a:t>
+            </a:r>
+            <a:endParaRPr lang="x-none" altLang="en-US" sz="2400"/>
+          </a:p>
+          <a:p>
+            <a:pPr lvl="1"/>
+            <a:r>
+              <a:rPr lang="x-none" altLang="en-US" sz="2400"/>
+              <a:t>采用了结合了信息素浓度和邻居结点缓冲水平的路由选择机制</a:t>
+            </a:r>
+            <a:endParaRPr lang="x-none" altLang="en-US" sz="2400"/>
+          </a:p>
+          <a:p>
+            <a:pPr lvl="1"/>
+            <a:r>
+              <a:rPr lang="x-none" altLang="en-US" sz="2400"/>
+              <a:t>正向蚂蚁包和数据包采用路由表进行路由，正向蚂蚁包到达目的结点后转换为逆向蚂蚁包，并在原路返回的过程中更新所经结点路由表中的信息素浓度</a:t>
+            </a:r>
+            <a:endParaRPr lang="x-none" altLang="en-US" sz="2400"/>
+          </a:p>
+          <a:p>
+            <a:pPr lvl="1"/>
             <a:endParaRPr lang="x-none" altLang="en-US"/>
           </a:p>
         </p:txBody>
@@ -4929,7 +4991,7 @@
           <a:p>
             <a:r>
               <a:rPr lang="x-none" altLang="en-US"/>
-              <a:t>实验配置</a:t>
+              <a:t>实验环境</a:t>
             </a:r>
             <a:endParaRPr lang="x-none" altLang="en-US"/>
           </a:p>
@@ -4948,76 +5010,64 @@
         <p:spPr/>
         <p:txBody>
           <a:bodyPr>
-            <a:normAutofit fontScale="90000" lnSpcReduction="10000"/>
+            <a:normAutofit lnSpcReduction="10000"/>
           </a:bodyPr>
           <a:p>
             <a:r>
-              <a:rPr lang="x-none" altLang="en-US">
-                <a:sym typeface="+mn-ea"/>
-              </a:rPr>
-              <a:t>网格</a:t>
-            </a:r>
-            <a:r>
               <a:rPr lang="x-none" altLang="en-US"/>
-              <a:t>（</a:t>
-            </a:r>
-            <a:r>
-              <a:rPr lang="x-none" altLang="en-US">
-                <a:sym typeface="+mn-ea"/>
-              </a:rPr>
-              <a:t>Mesh</a:t>
-            </a:r>
+              <a:t>开发环境：Altera Quartus Prime 15.1</a:t>
+            </a:r>
+            <a:endParaRPr lang="x-none" altLang="en-US"/>
+          </a:p>
+          <a:p>
+            <a:endParaRPr lang="x-none" altLang="en-US"/>
+          </a:p>
+          <a:p>
             <a:r>
               <a:rPr lang="x-none" altLang="en-US"/>
-              <a:t>）拓扑结构，4x4=16个结点；缓冲长度：4 packets</a:t>
-            </a:r>
-            <a:endParaRPr lang="x-none" altLang="en-US"/>
-          </a:p>
-          <a:p>
-            <a:pPr lvl="0"/>
+              <a:t>开发流程：FPGA设计收入-&gt;仿真-&gt;输出实验结果-&gt;实验结果统计</a:t>
+            </a:r>
+            <a:endParaRPr lang="x-none" altLang="en-US"/>
+          </a:p>
+          <a:p>
+            <a:pPr lvl="1"/>
+            <a:r>
+              <a:rPr lang="x-none" altLang="en-US" sz="2400"/>
+              <a:t>采用Testbench对单个结点和整个网络进行测试</a:t>
+            </a:r>
+            <a:endParaRPr lang="x-none" altLang="en-US" sz="2400"/>
+          </a:p>
+          <a:p>
+            <a:pPr lvl="1"/>
+            <a:r>
+              <a:rPr lang="x-none" altLang="en-US" sz="2400"/>
+              <a:t>采用$display语句输出片上网络的性能指标</a:t>
+            </a:r>
+            <a:endParaRPr lang="x-none" altLang="en-US" sz="2400"/>
+          </a:p>
+          <a:p>
+            <a:endParaRPr lang="x-none" altLang="en-US"/>
+          </a:p>
+          <a:p>
             <a:r>
               <a:rPr lang="x-none" altLang="en-US"/>
-              <a:t>三种Synthetic Traffics：Uniform，Transpose和Hotspot</a:t>
-            </a:r>
-            <a:endParaRPr lang="x-none" altLang="en-US"/>
-          </a:p>
-          <a:p>
-            <a:pPr lvl="0"/>
+              <a:t>硬件描述语言：SystemVerilog</a:t>
+            </a:r>
+            <a:endParaRPr lang="x-none" altLang="en-US"/>
+          </a:p>
+          <a:p>
+            <a:pPr lvl="1"/>
             <a:r>
               <a:rPr lang="x-none" altLang="en-US"/>
-              <a:t>包注入率（Packet Injection Rate）：0.01～0.6 packets/node/cycle</a:t>
-            </a:r>
-            <a:endParaRPr lang="x-none" altLang="en-US"/>
-          </a:p>
-          <a:p>
-            <a:pPr lvl="0"/>
+              <a:t>采用结构体（struct）定义消息包的结构</a:t>
+            </a:r>
+            <a:endParaRPr lang="x-none" altLang="en-US"/>
+          </a:p>
+          <a:p>
+            <a:pPr lvl="1"/>
             <a:r>
               <a:rPr lang="x-none" altLang="en-US"/>
-              <a:t>Max cycles</a:t>
-            </a:r>
-            <a:endParaRPr lang="x-none" altLang="en-US"/>
-          </a:p>
-          <a:p>
-            <a:pPr lvl="1"/>
-            <a:r>
-              <a:rPr lang="x-none" altLang="en-US"/>
-              <a:t>Warmup: 1000, Measure: 10000, No Measure: 3000, Drain: 3000</a:t>
-            </a:r>
-            <a:endParaRPr lang="x-none" altLang="en-US"/>
-          </a:p>
-          <a:p>
-            <a:pPr lvl="0"/>
-            <a:r>
-              <a:rPr lang="x-none" altLang="en-US"/>
-              <a:t>ACO路由选择算法</a:t>
-            </a:r>
-            <a:endParaRPr lang="x-none" altLang="en-US"/>
-          </a:p>
-          <a:p>
-            <a:pPr lvl="1"/>
-            <a:r>
-              <a:rPr lang="x-none" altLang="en-US"/>
-              <a:t>路由选择因子alpha=0；激励因子rf=1</a:t>
+              <a:t>...</a:t>
             </a:r>
             <a:endParaRPr lang="x-none" altLang="en-US"/>
           </a:p>
@@ -5099,44 +5149,96 @@
           <a:bodyPr/>
           <a:p>
             <a:r>
+              <a:rPr lang="x-none" altLang="en-US"/>
+              <a:t>实验配置</a:t>
+            </a:r>
+            <a:endParaRPr lang="x-none" altLang="en-US"/>
+          </a:p>
+        </p:txBody>
+      </p:sp>
+      <p:sp>
+        <p:nvSpPr>
+          <p:cNvPr id="3" name="Content Placeholder 2"/>
+          <p:cNvSpPr>
+            <a:spLocks noGrp="1"/>
+          </p:cNvSpPr>
+          <p:nvPr>
+            <p:ph idx="1"/>
+          </p:nvPr>
+        </p:nvSpPr>
+        <p:spPr/>
+        <p:txBody>
+          <a:bodyPr>
+            <a:normAutofit fontScale="90000" lnSpcReduction="10000"/>
+          </a:bodyPr>
+          <a:p>
+            <a:r>
               <a:rPr lang="x-none" altLang="en-US">
                 <a:sym typeface="+mn-ea"/>
               </a:rPr>
-              <a:t>主要性能指标</a:t>
-            </a:r>
-            <a:endParaRPr lang="x-none" altLang="en-US"/>
-          </a:p>
-        </p:txBody>
-      </p:sp>
-      <p:sp>
-        <p:nvSpPr>
-          <p:cNvPr id="3" name="Content Placeholder 2"/>
-          <p:cNvSpPr>
-            <a:spLocks noGrp="1"/>
-          </p:cNvSpPr>
-          <p:nvPr>
-            <p:ph idx="1"/>
-          </p:nvPr>
-        </p:nvSpPr>
-        <p:spPr/>
-        <p:txBody>
-          <a:bodyPr/>
-          <a:p>
+              <a:t>网格</a:t>
+            </a:r>
             <a:r>
               <a:rPr lang="x-none" altLang="en-US"/>
-              <a:t>吞吐率（Throughput）= #Packets transmitted/node/cycle</a:t>
+              <a:t>（</a:t>
+            </a:r>
+            <a:r>
+              <a:rPr lang="x-none" altLang="en-US">
+                <a:sym typeface="+mn-ea"/>
+              </a:rPr>
+              <a:t>Mesh</a:t>
+            </a:r>
+            <a:r>
+              <a:rPr lang="x-none" altLang="en-US"/>
+              <a:t>）拓扑结构，4x4=16个结点；缓冲长度：4 packets</a:t>
             </a:r>
             <a:endParaRPr lang="x-none" altLang="en-US"/>
           </a:p>
           <a:p>
             <a:pPr lvl="0"/>
+            <a:r>
+              <a:rPr lang="x-none" altLang="en-US"/>
+              <a:t>三种Synthetic Traffics：Uniform，Transpose和Hotspot</a:t>
+            </a:r>
             <a:endParaRPr lang="x-none" altLang="en-US"/>
           </a:p>
           <a:p>
             <a:pPr lvl="0"/>
             <a:r>
               <a:rPr lang="x-none" altLang="en-US"/>
-              <a:t>平均包延迟（Average Packet Delay）</a:t>
+              <a:t>包注入率（Packet Injection Rate）：0.01～0.6 packets/node/cycle</a:t>
+            </a:r>
+            <a:endParaRPr lang="x-none" altLang="en-US"/>
+          </a:p>
+          <a:p>
+            <a:pPr lvl="0"/>
+            <a:r>
+              <a:rPr lang="x-none" altLang="en-US"/>
+              <a:t>Max cycles</a:t>
+            </a:r>
+            <a:endParaRPr lang="x-none" altLang="en-US"/>
+          </a:p>
+          <a:p>
+            <a:pPr lvl="1"/>
+            <a:r>
+              <a:rPr lang="x-none" altLang="en-US"/>
+              <a:t>Warmup: 1000, Measure: 10000, No Measure: 3000, Drain: 3000</a:t>
+            </a:r>
+            <a:endParaRPr lang="x-none" altLang="en-US"/>
+          </a:p>
+          <a:p>
+            <a:pPr lvl="0"/>
+            <a:r>
+              <a:rPr lang="x-none" altLang="en-US"/>
+              <a:t>ACO路由选择算法</a:t>
+            </a:r>
+            <a:endParaRPr lang="x-none" altLang="en-US"/>
+          </a:p>
+          <a:p>
+            <a:pPr lvl="1"/>
+            <a:r>
+              <a:rPr lang="x-none" altLang="en-US"/>
+              <a:t>路由选择因子alpha=0；激励因子rf=1</a:t>
             </a:r>
             <a:endParaRPr lang="x-none" altLang="en-US"/>
           </a:p>
